--- a/slide.pptx
+++ b/slide.pptx
@@ -5,10 +5,10 @@
     <p:sldMasterId id="2147483648" r:id="rId1"/>
   </p:sldMasterIdLst>
   <p:notesMasterIdLst>
-    <p:notesMasterId r:id="rId17"/>
+    <p:notesMasterId r:id="rId24"/>
   </p:notesMasterIdLst>
   <p:handoutMasterIdLst>
-    <p:handoutMasterId r:id="rId18"/>
+    <p:handoutMasterId r:id="rId25"/>
   </p:handoutMasterIdLst>
   <p:sldIdLst>
     <p:sldId id="277" r:id="rId2"/>
@@ -18,14 +18,21 @@
     <p:sldId id="375" r:id="rId6"/>
     <p:sldId id="386" r:id="rId7"/>
     <p:sldId id="380" r:id="rId8"/>
-    <p:sldId id="385" r:id="rId9"/>
-    <p:sldId id="381" r:id="rId10"/>
-    <p:sldId id="376" r:id="rId11"/>
-    <p:sldId id="384" r:id="rId12"/>
-    <p:sldId id="377" r:id="rId13"/>
-    <p:sldId id="382" r:id="rId14"/>
-    <p:sldId id="383" r:id="rId15"/>
-    <p:sldId id="293" r:id="rId16"/>
+    <p:sldId id="387" r:id="rId9"/>
+    <p:sldId id="385" r:id="rId10"/>
+    <p:sldId id="388" r:id="rId11"/>
+    <p:sldId id="381" r:id="rId12"/>
+    <p:sldId id="389" r:id="rId13"/>
+    <p:sldId id="376" r:id="rId14"/>
+    <p:sldId id="390" r:id="rId15"/>
+    <p:sldId id="384" r:id="rId16"/>
+    <p:sldId id="377" r:id="rId17"/>
+    <p:sldId id="391" r:id="rId18"/>
+    <p:sldId id="392" r:id="rId19"/>
+    <p:sldId id="393" r:id="rId20"/>
+    <p:sldId id="382" r:id="rId21"/>
+    <p:sldId id="383" r:id="rId22"/>
+    <p:sldId id="293" r:id="rId23"/>
   </p:sldIdLst>
   <p:sldSz cx="12192000" cy="6858000"/>
   <p:notesSz cx="6858000" cy="9144000"/>
@@ -376,7 +383,7 @@
           <a:p>
             <a:fld id="{15A49F08-9100-4AF5-BC0A-FC6A093BE3CC}" type="datetimeFigureOut">
               <a:rPr lang="ko-KR" altLang="en-US" smtClean="0"/>
-              <a:t>2022-12-06</a:t>
+              <a:t>2022-12-07</a:t>
             </a:fld>
             <a:endParaRPr lang="ko-KR" altLang="en-US"/>
           </a:p>
@@ -3224,6 +3231,111 @@
           <a:chExt cx="0" cy="0"/>
         </a:xfrm>
       </p:grpSpPr>
+      <p:sp>
+        <p:nvSpPr>
+          <p:cNvPr id="2" name="Title Placeholder 1">
+            <a:extLst>
+              <a:ext uri="{FF2B5EF4-FFF2-40B4-BE49-F238E27FC236}">
+                <a16:creationId xmlns:a16="http://schemas.microsoft.com/office/drawing/2014/main" id="{BF1E97F2-28A0-4C1E-813C-CB6C95C0EC3B}"/>
+              </a:ext>
+            </a:extLst>
+          </p:cNvPr>
+          <p:cNvSpPr>
+            <a:spLocks noGrp="1"/>
+          </p:cNvSpPr>
+          <p:nvPr>
+            <p:ph type="title"/>
+          </p:nvPr>
+        </p:nvSpPr>
+        <p:spPr>
+          <a:xfrm>
+            <a:off x="838200" y="365125"/>
+            <a:ext cx="10515600" cy="1325563"/>
+          </a:xfrm>
+          <a:prstGeom prst="rect">
+            <a:avLst/>
+          </a:prstGeom>
+        </p:spPr>
+        <p:txBody>
+          <a:bodyPr vert="horz" lIns="91440" tIns="45720" rIns="91440" bIns="45720" rtlCol="0" anchor="ctr">
+            <a:normAutofit/>
+          </a:bodyPr>
+          <a:lstStyle/>
+          <a:p>
+            <a:r>
+              <a:rPr lang="en-US"/>
+              <a:t>Click to edit Master title style</a:t>
+            </a:r>
+          </a:p>
+        </p:txBody>
+      </p:sp>
+      <p:sp>
+        <p:nvSpPr>
+          <p:cNvPr id="3" name="Text Placeholder 2">
+            <a:extLst>
+              <a:ext uri="{FF2B5EF4-FFF2-40B4-BE49-F238E27FC236}">
+                <a16:creationId xmlns:a16="http://schemas.microsoft.com/office/drawing/2014/main" id="{D20391D2-9217-412C-A5CA-AC878A017A15}"/>
+              </a:ext>
+            </a:extLst>
+          </p:cNvPr>
+          <p:cNvSpPr>
+            <a:spLocks noGrp="1"/>
+          </p:cNvSpPr>
+          <p:nvPr>
+            <p:ph type="body" idx="1"/>
+          </p:nvPr>
+        </p:nvSpPr>
+        <p:spPr>
+          <a:xfrm>
+            <a:off x="838200" y="1825625"/>
+            <a:ext cx="10515600" cy="4351338"/>
+          </a:xfrm>
+          <a:prstGeom prst="rect">
+            <a:avLst/>
+          </a:prstGeom>
+        </p:spPr>
+        <p:txBody>
+          <a:bodyPr vert="horz" lIns="91440" tIns="45720" rIns="91440" bIns="45720" rtlCol="0">
+            <a:normAutofit/>
+          </a:bodyPr>
+          <a:lstStyle/>
+          <a:p>
+            <a:pPr lvl="0"/>
+            <a:r>
+              <a:rPr lang="en-US"/>
+              <a:t>Edit Master text styles</a:t>
+            </a:r>
+          </a:p>
+          <a:p>
+            <a:pPr lvl="1"/>
+            <a:r>
+              <a:rPr lang="en-US"/>
+              <a:t>Second level</a:t>
+            </a:r>
+          </a:p>
+          <a:p>
+            <a:pPr lvl="2"/>
+            <a:r>
+              <a:rPr lang="en-US"/>
+              <a:t>Third level</a:t>
+            </a:r>
+          </a:p>
+          <a:p>
+            <a:pPr lvl="3"/>
+            <a:r>
+              <a:rPr lang="en-US"/>
+              <a:t>Fourth level</a:t>
+            </a:r>
+          </a:p>
+          <a:p>
+            <a:pPr lvl="4"/>
+            <a:r>
+              <a:rPr lang="en-US"/>
+              <a:t>Fifth level</a:t>
+            </a:r>
+          </a:p>
+        </p:txBody>
+      </p:sp>
     </p:spTree>
     <p:extLst>
       <p:ext uri="{BB962C8B-B14F-4D97-AF65-F5344CB8AC3E}">
@@ -3263,9 +3375,9 @@
           <a:solidFill>
             <a:schemeClr val="tx1"/>
           </a:solidFill>
-          <a:latin typeface="+mj-lt"/>
+          <a:latin typeface="Calibri" panose="020F0502020204030204" pitchFamily="34" charset="0"/>
           <a:ea typeface="+mj-ea"/>
-          <a:cs typeface="+mj-cs"/>
+          <a:cs typeface="Calibri" panose="020F0502020204030204" pitchFamily="34" charset="0"/>
         </a:defRPr>
       </a:lvl1pPr>
     </p:titleStyle>
@@ -3766,7 +3878,7 @@
 </file>
 
 <file path=ppt/slides/slide10.xml><?xml version="1.0" encoding="utf-8"?>
-<p:sld xmlns:a="http://schemas.openxmlformats.org/drawingml/2006/main" xmlns:r="http://schemas.openxmlformats.org/officeDocument/2006/relationships" xmlns:p="http://schemas.openxmlformats.org/presentationml/2006/main" showMasterSp="0">
+<p:sld xmlns:a="http://schemas.openxmlformats.org/drawingml/2006/main" xmlns:r="http://schemas.openxmlformats.org/officeDocument/2006/relationships" xmlns:p="http://schemas.openxmlformats.org/presentationml/2006/main">
   <p:cSld>
     <p:spTree>
       <p:nvGrpSpPr>
@@ -3787,7 +3899,7 @@
           <p:cNvPr id="2" name="TextBox 1">
             <a:extLst>
               <a:ext uri="{FF2B5EF4-FFF2-40B4-BE49-F238E27FC236}">
-                <a16:creationId xmlns:a16="http://schemas.microsoft.com/office/drawing/2014/main" id="{D142F346-FC6A-493B-995E-DB2FC357CBE3}"/>
+                <a16:creationId xmlns:a16="http://schemas.microsoft.com/office/drawing/2014/main" id="{4ECC80F9-88DA-415C-B69B-55F6C7756629}"/>
               </a:ext>
             </a:extLst>
           </p:cNvPr>
@@ -3796,8 +3908,8 @@
         </p:nvSpPr>
         <p:spPr>
           <a:xfrm>
-            <a:off x="3336212" y="2782669"/>
-            <a:ext cx="5519576" cy="646331"/>
+            <a:off x="578715" y="465985"/>
+            <a:ext cx="5317883" cy="461665"/>
           </a:xfrm>
           <a:prstGeom prst="rect">
             <a:avLst/>
@@ -3810,48 +3922,17 @@
           </a:bodyPr>
           <a:lstStyle/>
           <a:p>
-            <a:pPr algn="ctr"/>
-            <a:r>
-              <a:rPr lang="vi-VN" altLang="ko-KR" sz="3600" b="1">
+            <a:r>
+              <a:rPr lang="en-US" altLang="ko-KR" sz="2400" b="1">
                 <a:solidFill>
                   <a:srgbClr val="1F2025"/>
                 </a:solidFill>
                 <a:latin typeface="+mj-lt"/>
                 <a:cs typeface="Arial" panose="020B0604020202020204" pitchFamily="34" charset="0"/>
               </a:rPr>
-              <a:t>II</a:t>
-            </a:r>
-            <a:r>
-              <a:rPr lang="en-US" altLang="ko-KR" sz="3600" b="1">
-                <a:solidFill>
-                  <a:srgbClr val="1F2025"/>
-                </a:solidFill>
-                <a:latin typeface="+mj-lt"/>
-                <a:cs typeface="Arial" panose="020B0604020202020204" pitchFamily="34" charset="0"/>
-              </a:rPr>
-              <a:t>I</a:t>
-            </a:r>
-            <a:r>
-              <a:rPr lang="vi-VN" altLang="ko-KR" sz="3600" b="1">
-                <a:solidFill>
-                  <a:srgbClr val="1F2025"/>
-                </a:solidFill>
-                <a:latin typeface="+mj-lt"/>
-                <a:cs typeface="Arial" panose="020B0604020202020204" pitchFamily="34" charset="0"/>
-              </a:rPr>
-              <a:t>. </a:t>
-            </a:r>
-            <a:r>
-              <a:rPr lang="en-US" altLang="ko-KR" sz="3600" b="1">
-                <a:solidFill>
-                  <a:srgbClr val="1F2025"/>
-                </a:solidFill>
-                <a:latin typeface="+mj-lt"/>
-                <a:cs typeface="Arial" panose="020B0604020202020204" pitchFamily="34" charset="0"/>
-              </a:rPr>
-              <a:t>KIẾN TRÚC TỔNG QUAN</a:t>
-            </a:r>
-            <a:endParaRPr lang="ko-KR" altLang="en-US" sz="3600" b="1" dirty="0">
+              <a:t>VISION TRANSFORMER</a:t>
+            </a:r>
+            <a:endParaRPr lang="ko-KR" altLang="en-US" sz="2400" b="1" dirty="0">
               <a:solidFill>
                 <a:srgbClr val="1F2025"/>
               </a:solidFill>
@@ -3861,12 +3942,137 @@
           </a:p>
         </p:txBody>
       </p:sp>
+      <p:sp>
+        <p:nvSpPr>
+          <p:cNvPr id="3" name="TextBox 2">
+            <a:extLst>
+              <a:ext uri="{FF2B5EF4-FFF2-40B4-BE49-F238E27FC236}">
+                <a16:creationId xmlns:a16="http://schemas.microsoft.com/office/drawing/2014/main" id="{4A5778BD-E06C-4169-AA97-F60816239A15}"/>
+              </a:ext>
+            </a:extLst>
+          </p:cNvPr>
+          <p:cNvSpPr txBox="1"/>
+          <p:nvPr/>
+        </p:nvSpPr>
+        <p:spPr>
+          <a:xfrm>
+            <a:off x="487881" y="1596414"/>
+            <a:ext cx="7900339" cy="923330"/>
+          </a:xfrm>
+          <a:prstGeom prst="rect">
+            <a:avLst/>
+          </a:prstGeom>
+          <a:noFill/>
+        </p:spPr>
+        <p:txBody>
+          <a:bodyPr wrap="square" rtlCol="0">
+            <a:spAutoFit/>
+          </a:bodyPr>
+          <a:lstStyle>
+            <a:defPPr>
+              <a:defRPr lang="ko-KR"/>
+            </a:defPPr>
+            <a:lvl1pPr>
+              <a:defRPr sz="1100">
+                <a:solidFill>
+                  <a:schemeClr val="tx1">
+                    <a:lumMod val="75000"/>
+                    <a:lumOff val="25000"/>
+                  </a:schemeClr>
+                </a:solidFill>
+              </a:defRPr>
+            </a:lvl1pPr>
+          </a:lstStyle>
+          <a:p>
+            <a:pPr marL="171450" indent="-171450">
+              <a:buFontTx/>
+              <a:buChar char="-"/>
+            </a:pPr>
+            <a:r>
+              <a:rPr lang="en-US" altLang="ko-KR" sz="1800">
+                <a:solidFill>
+                  <a:srgbClr val="1F2025"/>
+                </a:solidFill>
+              </a:rPr>
+              <a:t>Patches.</a:t>
+            </a:r>
+          </a:p>
+          <a:p>
+            <a:pPr marL="171450" indent="-171450">
+              <a:buFontTx/>
+              <a:buChar char="-"/>
+            </a:pPr>
+            <a:r>
+              <a:rPr lang="en-US" altLang="ko-KR" sz="1800">
+                <a:solidFill>
+                  <a:srgbClr val="1F2025"/>
+                </a:solidFill>
+              </a:rPr>
+              <a:t>Linear embedding.</a:t>
+            </a:r>
+          </a:p>
+          <a:p>
+            <a:pPr marL="171450" indent="-171450">
+              <a:buFontTx/>
+              <a:buChar char="-"/>
+            </a:pPr>
+            <a:endParaRPr lang="en-US" altLang="ko-KR" sz="1800" dirty="0">
+              <a:solidFill>
+                <a:srgbClr val="1F2025"/>
+              </a:solidFill>
+            </a:endParaRPr>
+          </a:p>
+        </p:txBody>
+      </p:sp>
+      <p:sp>
+        <p:nvSpPr>
+          <p:cNvPr id="16" name="직사각형 15">
+            <a:extLst>
+              <a:ext uri="{FF2B5EF4-FFF2-40B4-BE49-F238E27FC236}">
+                <a16:creationId xmlns:a16="http://schemas.microsoft.com/office/drawing/2014/main" id="{B73FE535-94A1-4E5D-B190-1D99674EF915}"/>
+              </a:ext>
+            </a:extLst>
+          </p:cNvPr>
+          <p:cNvSpPr/>
+          <p:nvPr/>
+        </p:nvSpPr>
+        <p:spPr>
+          <a:xfrm>
+            <a:off x="0" y="6206532"/>
+            <a:ext cx="12192000" cy="651468"/>
+          </a:xfrm>
+          <a:prstGeom prst="rect">
+            <a:avLst/>
+          </a:prstGeom>
+          <a:solidFill>
+            <a:srgbClr val="1F2025"/>
+          </a:solidFill>
+          <a:ln w="9525" cap="flat">
+            <a:noFill/>
+            <a:prstDash val="solid"/>
+            <a:miter/>
+          </a:ln>
+        </p:spPr>
+        <p:txBody>
+          <a:bodyPr rot="0" spcFirstLastPara="0" vertOverflow="overflow" horzOverflow="overflow" vert="horz" wrap="square" lIns="91440" tIns="45720" rIns="91440" bIns="45720" numCol="1" spcCol="0" rtlCol="0" fromWordArt="0" anchor="ctr" anchorCtr="0" forceAA="0" compatLnSpc="1">
+            <a:prstTxWarp prst="textNoShape">
+              <a:avLst/>
+            </a:prstTxWarp>
+            <a:noAutofit/>
+          </a:bodyPr>
+          <a:lstStyle/>
+          <a:p>
+            <a:pPr algn="l"/>
+            <a:endParaRPr lang="ko-KR" altLang="en-US"/>
+          </a:p>
+        </p:txBody>
+      </p:sp>
       <p:pic>
         <p:nvPicPr>
-          <p:cNvPr id="7" name="그래픽 6">
-            <a:extLst>
-              <a:ext uri="{FF2B5EF4-FFF2-40B4-BE49-F238E27FC236}">
-                <a16:creationId xmlns:a16="http://schemas.microsoft.com/office/drawing/2014/main" id="{174595B1-92CE-44ED-97FE-F6A897FE48EF}"/>
+          <p:cNvPr id="17" name="그래픽 16">
+            <a:extLst>
+              <a:ext uri="{FF2B5EF4-FFF2-40B4-BE49-F238E27FC236}">
+                <a16:creationId xmlns:a16="http://schemas.microsoft.com/office/drawing/2014/main" id="{7A988829-597B-495C-9112-A39D40EF9F77}"/>
               </a:ext>
             </a:extLst>
           </p:cNvPr>
@@ -3889,8 +4095,8 @@
         </p:blipFill>
         <p:spPr>
           <a:xfrm>
-            <a:off x="272402" y="217015"/>
-            <a:ext cx="834391" cy="488942"/>
+            <a:off x="11222584" y="6348701"/>
+            <a:ext cx="626516" cy="367130"/>
           </a:xfrm>
           <a:prstGeom prst="rect">
             <a:avLst/>
@@ -3900,7 +4106,7 @@
     </p:spTree>
     <p:extLst>
       <p:ext uri="{BB962C8B-B14F-4D97-AF65-F5344CB8AC3E}">
-        <p14:creationId xmlns:p14="http://schemas.microsoft.com/office/powerpoint/2010/main" val="2428148938"/>
+        <p14:creationId xmlns:p14="http://schemas.microsoft.com/office/powerpoint/2010/main" val="1732409390"/>
       </p:ext>
     </p:extLst>
   </p:cSld>
@@ -3932,7 +4138,7 @@
           <p:cNvPr id="2" name="TextBox 1">
             <a:extLst>
               <a:ext uri="{FF2B5EF4-FFF2-40B4-BE49-F238E27FC236}">
-                <a16:creationId xmlns:a16="http://schemas.microsoft.com/office/drawing/2014/main" id="{D142F346-FC6A-493B-995E-DB2FC357CBE3}"/>
+                <a16:creationId xmlns:a16="http://schemas.microsoft.com/office/drawing/2014/main" id="{4ECC80F9-88DA-415C-B69B-55F6C7756629}"/>
               </a:ext>
             </a:extLst>
           </p:cNvPr>
@@ -3941,8 +4147,8 @@
         </p:nvSpPr>
         <p:spPr>
           <a:xfrm>
-            <a:off x="3708400" y="2759168"/>
-            <a:ext cx="4775200" cy="1200329"/>
+            <a:off x="578715" y="465985"/>
+            <a:ext cx="5317883" cy="461665"/>
           </a:xfrm>
           <a:prstGeom prst="rect">
             <a:avLst/>
@@ -3955,68 +4161,17 @@
           </a:bodyPr>
           <a:lstStyle/>
           <a:p>
-            <a:pPr algn="ctr"/>
-            <a:r>
-              <a:rPr lang="vi-VN" altLang="ko-KR" sz="3600" b="1">
+            <a:r>
+              <a:rPr lang="en-US" altLang="ko-KR" sz="2400" b="1">
                 <a:solidFill>
                   <a:srgbClr val="1F2025"/>
                 </a:solidFill>
                 <a:latin typeface="+mj-lt"/>
                 <a:cs typeface="Arial" panose="020B0604020202020204" pitchFamily="34" charset="0"/>
               </a:rPr>
-              <a:t>I</a:t>
-            </a:r>
-            <a:r>
-              <a:rPr lang="en-US" altLang="ko-KR" sz="3600" b="1">
-                <a:solidFill>
-                  <a:srgbClr val="1F2025"/>
-                </a:solidFill>
-                <a:latin typeface="+mj-lt"/>
-                <a:cs typeface="Arial" panose="020B0604020202020204" pitchFamily="34" charset="0"/>
-              </a:rPr>
-              <a:t>V</a:t>
-            </a:r>
-            <a:r>
-              <a:rPr lang="vi-VN" altLang="ko-KR" sz="3600" b="1">
-                <a:solidFill>
-                  <a:srgbClr val="1F2025"/>
-                </a:solidFill>
-                <a:latin typeface="+mj-lt"/>
-                <a:cs typeface="Arial" panose="020B0604020202020204" pitchFamily="34" charset="0"/>
-              </a:rPr>
-              <a:t>. CÁC </a:t>
-            </a:r>
-            <a:r>
-              <a:rPr lang="en-US" altLang="ko-KR" sz="3600" b="1">
-                <a:solidFill>
-                  <a:srgbClr val="1F2025"/>
-                </a:solidFill>
-                <a:latin typeface="+mj-lt"/>
-                <a:cs typeface="Arial" panose="020B0604020202020204" pitchFamily="34" charset="0"/>
-              </a:rPr>
-              <a:t>KỸ THUẬT MỚI Đ</a:t>
-            </a:r>
-            <a:r>
-              <a:rPr lang="vi-VN" altLang="ko-KR" sz="3600" b="1">
-                <a:solidFill>
-                  <a:srgbClr val="1F2025"/>
-                </a:solidFill>
-                <a:latin typeface="+mj-lt"/>
-                <a:cs typeface="Arial" panose="020B0604020202020204" pitchFamily="34" charset="0"/>
-              </a:rPr>
-              <a:t>Ư</a:t>
-            </a:r>
-            <a:r>
-              <a:rPr lang="en-US" altLang="ko-KR" sz="3600" b="1">
-                <a:solidFill>
-                  <a:srgbClr val="1F2025"/>
-                </a:solidFill>
-                <a:latin typeface="+mj-lt"/>
-                <a:cs typeface="Arial" panose="020B0604020202020204" pitchFamily="34" charset="0"/>
-              </a:rPr>
-              <a:t>ỢC ĐỀ XUẤT</a:t>
-            </a:r>
-            <a:endParaRPr lang="ko-KR" altLang="en-US" sz="3600" b="1" dirty="0">
+              <a:t>SWIN TRANSFORMER V1</a:t>
+            </a:r>
+            <a:endParaRPr lang="ko-KR" altLang="en-US" sz="2400" b="1" dirty="0">
               <a:solidFill>
                 <a:srgbClr val="1F2025"/>
               </a:solidFill>
@@ -4026,12 +4181,153 @@
           </a:p>
         </p:txBody>
       </p:sp>
+      <p:sp>
+        <p:nvSpPr>
+          <p:cNvPr id="3" name="TextBox 2">
+            <a:extLst>
+              <a:ext uri="{FF2B5EF4-FFF2-40B4-BE49-F238E27FC236}">
+                <a16:creationId xmlns:a16="http://schemas.microsoft.com/office/drawing/2014/main" id="{4A5778BD-E06C-4169-AA97-F60816239A15}"/>
+              </a:ext>
+            </a:extLst>
+          </p:cNvPr>
+          <p:cNvSpPr txBox="1"/>
+          <p:nvPr/>
+        </p:nvSpPr>
+        <p:spPr>
+          <a:xfrm>
+            <a:off x="435356" y="5079117"/>
+            <a:ext cx="4799117" cy="923330"/>
+          </a:xfrm>
+          <a:prstGeom prst="rect">
+            <a:avLst/>
+          </a:prstGeom>
+          <a:noFill/>
+        </p:spPr>
+        <p:txBody>
+          <a:bodyPr wrap="square" rtlCol="0">
+            <a:spAutoFit/>
+          </a:bodyPr>
+          <a:lstStyle>
+            <a:defPPr>
+              <a:defRPr lang="ko-KR"/>
+            </a:defPPr>
+            <a:lvl1pPr>
+              <a:defRPr sz="1100">
+                <a:solidFill>
+                  <a:schemeClr val="tx1">
+                    <a:lumMod val="75000"/>
+                    <a:lumOff val="25000"/>
+                  </a:schemeClr>
+                </a:solidFill>
+              </a:defRPr>
+            </a:lvl1pPr>
+          </a:lstStyle>
+          <a:p>
+            <a:pPr marL="171450" indent="-171450">
+              <a:buFontTx/>
+              <a:buChar char="-"/>
+            </a:pPr>
+            <a:r>
+              <a:rPr lang="en-US" altLang="ko-KR" sz="1800">
+                <a:solidFill>
+                  <a:srgbClr val="1F2025"/>
+                </a:solidFill>
+              </a:rPr>
+              <a:t>Ra mắt tháng 3/2021.</a:t>
+            </a:r>
+          </a:p>
+          <a:p>
+            <a:pPr marL="171450" indent="-171450">
+              <a:buFontTx/>
+              <a:buChar char="-"/>
+            </a:pPr>
+            <a:r>
+              <a:rPr lang="en-US" altLang="ko-KR" sz="1800">
+                <a:solidFill>
+                  <a:srgbClr val="1F2025"/>
+                </a:solidFill>
+              </a:rPr>
+              <a:t>Cải tiến có thừa kế các ý t</a:t>
+            </a:r>
+            <a:r>
+              <a:rPr lang="vi-VN" altLang="ko-KR" sz="1800">
+                <a:solidFill>
+                  <a:srgbClr val="1F2025"/>
+                </a:solidFill>
+              </a:rPr>
+              <a:t>ư</a:t>
+            </a:r>
+            <a:r>
+              <a:rPr lang="en-US" altLang="ko-KR" sz="1800">
+                <a:solidFill>
+                  <a:srgbClr val="1F2025"/>
+                </a:solidFill>
+              </a:rPr>
+              <a:t>ởng từ ViT.</a:t>
+            </a:r>
+          </a:p>
+          <a:p>
+            <a:pPr marL="171450" indent="-171450">
+              <a:buFontTx/>
+              <a:buChar char="-"/>
+            </a:pPr>
+            <a:endParaRPr lang="en-US" altLang="ko-KR" sz="1800" dirty="0">
+              <a:solidFill>
+                <a:srgbClr val="1F2025"/>
+              </a:solidFill>
+            </a:endParaRPr>
+          </a:p>
+        </p:txBody>
+      </p:sp>
+      <p:sp>
+        <p:nvSpPr>
+          <p:cNvPr id="16" name="직사각형 15">
+            <a:extLst>
+              <a:ext uri="{FF2B5EF4-FFF2-40B4-BE49-F238E27FC236}">
+                <a16:creationId xmlns:a16="http://schemas.microsoft.com/office/drawing/2014/main" id="{B73FE535-94A1-4E5D-B190-1D99674EF915}"/>
+              </a:ext>
+            </a:extLst>
+          </p:cNvPr>
+          <p:cNvSpPr/>
+          <p:nvPr/>
+        </p:nvSpPr>
+        <p:spPr>
+          <a:xfrm>
+            <a:off x="0" y="6206532"/>
+            <a:ext cx="12192000" cy="651468"/>
+          </a:xfrm>
+          <a:prstGeom prst="rect">
+            <a:avLst/>
+          </a:prstGeom>
+          <a:solidFill>
+            <a:srgbClr val="1F2025"/>
+          </a:solidFill>
+          <a:ln w="9525" cap="flat">
+            <a:noFill/>
+            <a:prstDash val="solid"/>
+            <a:miter/>
+          </a:ln>
+        </p:spPr>
+        <p:txBody>
+          <a:bodyPr rot="0" spcFirstLastPara="0" vertOverflow="overflow" horzOverflow="overflow" vert="horz" wrap="square" lIns="91440" tIns="45720" rIns="91440" bIns="45720" numCol="1" spcCol="0" rtlCol="0" fromWordArt="0" anchor="ctr" anchorCtr="0" forceAA="0" compatLnSpc="1">
+            <a:prstTxWarp prst="textNoShape">
+              <a:avLst/>
+            </a:prstTxWarp>
+            <a:noAutofit/>
+          </a:bodyPr>
+          <a:lstStyle/>
+          <a:p>
+            <a:pPr algn="l"/>
+            <a:endParaRPr lang="ko-KR" altLang="en-US"/>
+          </a:p>
+        </p:txBody>
+      </p:sp>
       <p:pic>
         <p:nvPicPr>
-          <p:cNvPr id="7" name="그래픽 6">
-            <a:extLst>
-              <a:ext uri="{FF2B5EF4-FFF2-40B4-BE49-F238E27FC236}">
-                <a16:creationId xmlns:a16="http://schemas.microsoft.com/office/drawing/2014/main" id="{174595B1-92CE-44ED-97FE-F6A897FE48EF}"/>
+          <p:cNvPr id="17" name="그래픽 16">
+            <a:extLst>
+              <a:ext uri="{FF2B5EF4-FFF2-40B4-BE49-F238E27FC236}">
+                <a16:creationId xmlns:a16="http://schemas.microsoft.com/office/drawing/2014/main" id="{7A988829-597B-495C-9112-A39D40EF9F77}"/>
               </a:ext>
             </a:extLst>
           </p:cNvPr>
@@ -4054,8 +4350,38 @@
         </p:blipFill>
         <p:spPr>
           <a:xfrm>
-            <a:off x="272402" y="217015"/>
-            <a:ext cx="834391" cy="488942"/>
+            <a:off x="11222584" y="6348701"/>
+            <a:ext cx="626516" cy="367130"/>
+          </a:xfrm>
+          <a:prstGeom prst="rect">
+            <a:avLst/>
+          </a:prstGeom>
+        </p:spPr>
+      </p:pic>
+      <p:pic>
+        <p:nvPicPr>
+          <p:cNvPr id="4" name="Picture 3">
+            <a:extLst>
+              <a:ext uri="{FF2B5EF4-FFF2-40B4-BE49-F238E27FC236}">
+                <a16:creationId xmlns:a16="http://schemas.microsoft.com/office/drawing/2014/main" id="{70808757-4523-4701-9A19-7A588FA5A931}"/>
+              </a:ext>
+            </a:extLst>
+          </p:cNvPr>
+          <p:cNvPicPr>
+            <a:picLocks noChangeAspect="1"/>
+          </p:cNvPicPr>
+          <p:nvPr/>
+        </p:nvPicPr>
+        <p:blipFill>
+          <a:blip r:embed="rId4"/>
+          <a:stretch>
+            <a:fillRect/>
+          </a:stretch>
+        </p:blipFill>
+        <p:spPr>
+          <a:xfrm>
+            <a:off x="530271" y="927650"/>
+            <a:ext cx="11318829" cy="3576582"/>
           </a:xfrm>
           <a:prstGeom prst="rect">
             <a:avLst/>
@@ -4065,7 +4391,7 @@
     </p:spTree>
     <p:extLst>
       <p:ext uri="{BB962C8B-B14F-4D97-AF65-F5344CB8AC3E}">
-        <p14:creationId xmlns:p14="http://schemas.microsoft.com/office/powerpoint/2010/main" val="4267959614"/>
+        <p14:creationId xmlns:p14="http://schemas.microsoft.com/office/powerpoint/2010/main" val="2093296912"/>
       </p:ext>
     </p:extLst>
   </p:cSld>
@@ -4076,6 +4402,319 @@
 </file>
 
 <file path=ppt/slides/slide12.xml><?xml version="1.0" encoding="utf-8"?>
+<p:sld xmlns:a="http://schemas.openxmlformats.org/drawingml/2006/main" xmlns:r="http://schemas.openxmlformats.org/officeDocument/2006/relationships" xmlns:p="http://schemas.openxmlformats.org/presentationml/2006/main">
+  <p:cSld>
+    <p:spTree>
+      <p:nvGrpSpPr>
+        <p:cNvPr id="1" name=""/>
+        <p:cNvGrpSpPr/>
+        <p:nvPr/>
+      </p:nvGrpSpPr>
+      <p:grpSpPr>
+        <a:xfrm>
+          <a:off x="0" y="0"/>
+          <a:ext cx="0" cy="0"/>
+          <a:chOff x="0" y="0"/>
+          <a:chExt cx="0" cy="0"/>
+        </a:xfrm>
+      </p:grpSpPr>
+      <p:sp>
+        <p:nvSpPr>
+          <p:cNvPr id="2" name="TextBox 1">
+            <a:extLst>
+              <a:ext uri="{FF2B5EF4-FFF2-40B4-BE49-F238E27FC236}">
+                <a16:creationId xmlns:a16="http://schemas.microsoft.com/office/drawing/2014/main" id="{4ECC80F9-88DA-415C-B69B-55F6C7756629}"/>
+              </a:ext>
+            </a:extLst>
+          </p:cNvPr>
+          <p:cNvSpPr txBox="1"/>
+          <p:nvPr/>
+        </p:nvSpPr>
+        <p:spPr>
+          <a:xfrm>
+            <a:off x="578715" y="465985"/>
+            <a:ext cx="5317883" cy="461665"/>
+          </a:xfrm>
+          <a:prstGeom prst="rect">
+            <a:avLst/>
+          </a:prstGeom>
+          <a:noFill/>
+        </p:spPr>
+        <p:txBody>
+          <a:bodyPr wrap="square" rtlCol="0">
+            <a:spAutoFit/>
+          </a:bodyPr>
+          <a:lstStyle/>
+          <a:p>
+            <a:r>
+              <a:rPr lang="en-US" altLang="ko-KR" sz="2400" b="1">
+                <a:solidFill>
+                  <a:srgbClr val="1F2025"/>
+                </a:solidFill>
+                <a:latin typeface="+mj-lt"/>
+                <a:cs typeface="Arial" panose="020B0604020202020204" pitchFamily="34" charset="0"/>
+              </a:rPr>
+              <a:t>SWIN TRANSFORMER V1</a:t>
+            </a:r>
+            <a:endParaRPr lang="ko-KR" altLang="en-US" sz="2400" b="1" dirty="0">
+              <a:solidFill>
+                <a:srgbClr val="1F2025"/>
+              </a:solidFill>
+              <a:latin typeface="+mj-lt"/>
+              <a:cs typeface="Arial" panose="020B0604020202020204" pitchFamily="34" charset="0"/>
+            </a:endParaRPr>
+          </a:p>
+        </p:txBody>
+      </p:sp>
+      <p:sp>
+        <p:nvSpPr>
+          <p:cNvPr id="3" name="TextBox 2">
+            <a:extLst>
+              <a:ext uri="{FF2B5EF4-FFF2-40B4-BE49-F238E27FC236}">
+                <a16:creationId xmlns:a16="http://schemas.microsoft.com/office/drawing/2014/main" id="{4A5778BD-E06C-4169-AA97-F60816239A15}"/>
+              </a:ext>
+            </a:extLst>
+          </p:cNvPr>
+          <p:cNvSpPr txBox="1"/>
+          <p:nvPr/>
+        </p:nvSpPr>
+        <p:spPr>
+          <a:xfrm>
+            <a:off x="388703" y="1813403"/>
+            <a:ext cx="4799117" cy="1200329"/>
+          </a:xfrm>
+          <a:prstGeom prst="rect">
+            <a:avLst/>
+          </a:prstGeom>
+          <a:noFill/>
+        </p:spPr>
+        <p:txBody>
+          <a:bodyPr wrap="square" rtlCol="0">
+            <a:spAutoFit/>
+          </a:bodyPr>
+          <a:lstStyle>
+            <a:defPPr>
+              <a:defRPr lang="ko-KR"/>
+            </a:defPPr>
+            <a:lvl1pPr>
+              <a:defRPr sz="1100">
+                <a:solidFill>
+                  <a:schemeClr val="tx1">
+                    <a:lumMod val="75000"/>
+                    <a:lumOff val="25000"/>
+                  </a:schemeClr>
+                </a:solidFill>
+              </a:defRPr>
+            </a:lvl1pPr>
+          </a:lstStyle>
+          <a:p>
+            <a:pPr marL="171450" indent="-171450">
+              <a:buFontTx/>
+              <a:buChar char="-"/>
+            </a:pPr>
+            <a:r>
+              <a:rPr lang="en-US" altLang="ko-KR" sz="1800">
+                <a:solidFill>
+                  <a:srgbClr val="1F2025"/>
+                </a:solidFill>
+              </a:rPr>
+              <a:t>Shifted Window</a:t>
+            </a:r>
+          </a:p>
+          <a:p>
+            <a:pPr marL="171450" indent="-171450">
+              <a:buFontTx/>
+              <a:buChar char="-"/>
+            </a:pPr>
+            <a:r>
+              <a:rPr lang="en-US" altLang="ko-KR" sz="1800">
+                <a:solidFill>
+                  <a:srgbClr val="1F2025"/>
+                </a:solidFill>
+              </a:rPr>
+              <a:t>Swin Transformer Block</a:t>
+            </a:r>
+          </a:p>
+          <a:p>
+            <a:pPr marL="171450" indent="-171450">
+              <a:buFontTx/>
+              <a:buChar char="-"/>
+            </a:pPr>
+            <a:r>
+              <a:rPr lang="en-US" altLang="ko-KR" sz="1800">
+                <a:solidFill>
+                  <a:srgbClr val="1F2025"/>
+                </a:solidFill>
+              </a:rPr>
+              <a:t>Shifted Window based Self-Attention</a:t>
+            </a:r>
+          </a:p>
+          <a:p>
+            <a:pPr marL="171450" indent="-171450">
+              <a:buFontTx/>
+              <a:buChar char="-"/>
+            </a:pPr>
+            <a:endParaRPr lang="en-US" altLang="ko-KR" sz="1800" dirty="0">
+              <a:solidFill>
+                <a:srgbClr val="1F2025"/>
+              </a:solidFill>
+            </a:endParaRPr>
+          </a:p>
+        </p:txBody>
+      </p:sp>
+      <p:sp>
+        <p:nvSpPr>
+          <p:cNvPr id="16" name="직사각형 15">
+            <a:extLst>
+              <a:ext uri="{FF2B5EF4-FFF2-40B4-BE49-F238E27FC236}">
+                <a16:creationId xmlns:a16="http://schemas.microsoft.com/office/drawing/2014/main" id="{B73FE535-94A1-4E5D-B190-1D99674EF915}"/>
+              </a:ext>
+            </a:extLst>
+          </p:cNvPr>
+          <p:cNvSpPr/>
+          <p:nvPr/>
+        </p:nvSpPr>
+        <p:spPr>
+          <a:xfrm>
+            <a:off x="0" y="6206532"/>
+            <a:ext cx="12192000" cy="651468"/>
+          </a:xfrm>
+          <a:prstGeom prst="rect">
+            <a:avLst/>
+          </a:prstGeom>
+          <a:solidFill>
+            <a:srgbClr val="1F2025"/>
+          </a:solidFill>
+          <a:ln w="9525" cap="flat">
+            <a:noFill/>
+            <a:prstDash val="solid"/>
+            <a:miter/>
+          </a:ln>
+        </p:spPr>
+        <p:txBody>
+          <a:bodyPr rot="0" spcFirstLastPara="0" vertOverflow="overflow" horzOverflow="overflow" vert="horz" wrap="square" lIns="91440" tIns="45720" rIns="91440" bIns="45720" numCol="1" spcCol="0" rtlCol="0" fromWordArt="0" anchor="ctr" anchorCtr="0" forceAA="0" compatLnSpc="1">
+            <a:prstTxWarp prst="textNoShape">
+              <a:avLst/>
+            </a:prstTxWarp>
+            <a:noAutofit/>
+          </a:bodyPr>
+          <a:lstStyle/>
+          <a:p>
+            <a:pPr algn="l"/>
+            <a:endParaRPr lang="ko-KR" altLang="en-US"/>
+          </a:p>
+        </p:txBody>
+      </p:sp>
+      <p:pic>
+        <p:nvPicPr>
+          <p:cNvPr id="17" name="그래픽 16">
+            <a:extLst>
+              <a:ext uri="{FF2B5EF4-FFF2-40B4-BE49-F238E27FC236}">
+                <a16:creationId xmlns:a16="http://schemas.microsoft.com/office/drawing/2014/main" id="{7A988829-597B-495C-9112-A39D40EF9F77}"/>
+              </a:ext>
+            </a:extLst>
+          </p:cNvPr>
+          <p:cNvPicPr>
+            <a:picLocks noChangeAspect="1"/>
+          </p:cNvPicPr>
+          <p:nvPr/>
+        </p:nvPicPr>
+        <p:blipFill>
+          <a:blip r:embed="rId2">
+            <a:extLst>
+              <a:ext uri="{96DAC541-7B7A-43D3-8B79-37D633B846F1}">
+                <asvg:svgBlip xmlns:asvg="http://schemas.microsoft.com/office/drawing/2016/SVG/main" r:embed="rId3"/>
+              </a:ext>
+            </a:extLst>
+          </a:blip>
+          <a:stretch>
+            <a:fillRect/>
+          </a:stretch>
+        </p:blipFill>
+        <p:spPr>
+          <a:xfrm>
+            <a:off x="11222584" y="6348701"/>
+            <a:ext cx="626516" cy="367130"/>
+          </a:xfrm>
+          <a:prstGeom prst="rect">
+            <a:avLst/>
+          </a:prstGeom>
+        </p:spPr>
+      </p:pic>
+      <p:pic>
+        <p:nvPicPr>
+          <p:cNvPr id="5" name="Picture 4">
+            <a:extLst>
+              <a:ext uri="{FF2B5EF4-FFF2-40B4-BE49-F238E27FC236}">
+                <a16:creationId xmlns:a16="http://schemas.microsoft.com/office/drawing/2014/main" id="{1D689946-F1FF-44EF-96B2-C71C18C4F1CF}"/>
+              </a:ext>
+            </a:extLst>
+          </p:cNvPr>
+          <p:cNvPicPr>
+            <a:picLocks noChangeAspect="1"/>
+          </p:cNvPicPr>
+          <p:nvPr/>
+        </p:nvPicPr>
+        <p:blipFill>
+          <a:blip r:embed="rId4"/>
+          <a:stretch>
+            <a:fillRect/>
+          </a:stretch>
+        </p:blipFill>
+        <p:spPr>
+          <a:xfrm>
+            <a:off x="5896598" y="465985"/>
+            <a:ext cx="4429125" cy="2647950"/>
+          </a:xfrm>
+          <a:prstGeom prst="rect">
+            <a:avLst/>
+          </a:prstGeom>
+        </p:spPr>
+      </p:pic>
+      <p:pic>
+        <p:nvPicPr>
+          <p:cNvPr id="6" name="Picture 5">
+            <a:extLst>
+              <a:ext uri="{FF2B5EF4-FFF2-40B4-BE49-F238E27FC236}">
+                <a16:creationId xmlns:a16="http://schemas.microsoft.com/office/drawing/2014/main" id="{BEF9F38E-199C-41AE-9A89-477CD931F49C}"/>
+              </a:ext>
+            </a:extLst>
+          </p:cNvPr>
+          <p:cNvPicPr>
+            <a:picLocks noChangeAspect="1"/>
+          </p:cNvPicPr>
+          <p:nvPr/>
+        </p:nvPicPr>
+        <p:blipFill>
+          <a:blip r:embed="rId5"/>
+          <a:stretch>
+            <a:fillRect/>
+          </a:stretch>
+        </p:blipFill>
+        <p:spPr>
+          <a:xfrm>
+            <a:off x="6096000" y="3811480"/>
+            <a:ext cx="4467225" cy="1828800"/>
+          </a:xfrm>
+          <a:prstGeom prst="rect">
+            <a:avLst/>
+          </a:prstGeom>
+        </p:spPr>
+      </p:pic>
+    </p:spTree>
+    <p:extLst>
+      <p:ext uri="{BB962C8B-B14F-4D97-AF65-F5344CB8AC3E}">
+        <p14:creationId xmlns:p14="http://schemas.microsoft.com/office/powerpoint/2010/main" val="647424283"/>
+      </p:ext>
+    </p:extLst>
+  </p:cSld>
+  <p:clrMapOvr>
+    <a:masterClrMapping/>
+  </p:clrMapOvr>
+</p:sld>
+</file>
+
+<file path=ppt/slides/slide13.xml><?xml version="1.0" encoding="utf-8"?>
 <p:sld xmlns:a="http://schemas.openxmlformats.org/drawingml/2006/main" xmlns:r="http://schemas.openxmlformats.org/officeDocument/2006/relationships" xmlns:p="http://schemas.openxmlformats.org/presentationml/2006/main" showMasterSp="0">
   <p:cSld>
     <p:spTree>
@@ -4097,7 +4736,7 @@
           <p:cNvPr id="2" name="TextBox 1">
             <a:extLst>
               <a:ext uri="{FF2B5EF4-FFF2-40B4-BE49-F238E27FC236}">
-                <a16:creationId xmlns:a16="http://schemas.microsoft.com/office/drawing/2014/main" id="{4ECC80F9-88DA-415C-B69B-55F6C7756629}"/>
+                <a16:creationId xmlns:a16="http://schemas.microsoft.com/office/drawing/2014/main" id="{D142F346-FC6A-493B-995E-DB2FC357CBE3}"/>
               </a:ext>
             </a:extLst>
           </p:cNvPr>
@@ -4106,8 +4745,8 @@
         </p:nvSpPr>
         <p:spPr>
           <a:xfrm>
-            <a:off x="578715" y="482981"/>
-            <a:ext cx="5317883" cy="461665"/>
+            <a:off x="3336212" y="2782669"/>
+            <a:ext cx="5519576" cy="646331"/>
           </a:xfrm>
           <a:prstGeom prst="rect">
             <a:avLst/>
@@ -4120,17 +4759,38 @@
           </a:bodyPr>
           <a:lstStyle/>
           <a:p>
-            <a:r>
-              <a:rPr lang="en-US" altLang="ko-KR" sz="2400" dirty="0">
+            <a:pPr algn="ctr"/>
+            <a:r>
+              <a:rPr lang="en-US" altLang="ko-KR" sz="3600" b="1">
                 <a:solidFill>
                   <a:srgbClr val="1F2025"/>
                 </a:solidFill>
                 <a:latin typeface="+mj-lt"/>
                 <a:cs typeface="Arial" panose="020B0604020202020204" pitchFamily="34" charset="0"/>
               </a:rPr>
-              <a:t>SECTION BREAK SLIDE TITLE</a:t>
-            </a:r>
-            <a:endParaRPr lang="ko-KR" altLang="en-US" sz="2400" dirty="0">
+              <a:t>III</a:t>
+            </a:r>
+            <a:r>
+              <a:rPr lang="vi-VN" altLang="ko-KR" sz="3600" b="1">
+                <a:solidFill>
+                  <a:srgbClr val="1F2025"/>
+                </a:solidFill>
+                <a:latin typeface="+mj-lt"/>
+                <a:cs typeface="Arial" panose="020B0604020202020204" pitchFamily="34" charset="0"/>
+              </a:rPr>
+              <a:t>. </a:t>
+            </a:r>
+            <a:r>
+              <a:rPr lang="en-US" altLang="ko-KR" sz="3600" b="1">
+                <a:solidFill>
+                  <a:srgbClr val="1F2025"/>
+                </a:solidFill>
+                <a:latin typeface="+mj-lt"/>
+                <a:cs typeface="Arial" panose="020B0604020202020204" pitchFamily="34" charset="0"/>
+              </a:rPr>
+              <a:t>KIẾN TRÚC TỔNG QUAN</a:t>
+            </a:r>
+            <a:endParaRPr lang="ko-KR" altLang="en-US" sz="3600" b="1" dirty="0">
               <a:solidFill>
                 <a:srgbClr val="1F2025"/>
               </a:solidFill>
@@ -4140,268 +4800,12 @@
           </a:p>
         </p:txBody>
       </p:sp>
-      <p:sp>
-        <p:nvSpPr>
-          <p:cNvPr id="3" name="TextBox 2">
-            <a:extLst>
-              <a:ext uri="{FF2B5EF4-FFF2-40B4-BE49-F238E27FC236}">
-                <a16:creationId xmlns:a16="http://schemas.microsoft.com/office/drawing/2014/main" id="{4A5778BD-E06C-4169-AA97-F60816239A15}"/>
-              </a:ext>
-            </a:extLst>
-          </p:cNvPr>
-          <p:cNvSpPr txBox="1"/>
-          <p:nvPr/>
-        </p:nvSpPr>
-        <p:spPr>
-          <a:xfrm>
-            <a:off x="920547" y="2233280"/>
-            <a:ext cx="3765749" cy="646331"/>
-          </a:xfrm>
-          <a:prstGeom prst="rect">
-            <a:avLst/>
-          </a:prstGeom>
-          <a:noFill/>
-        </p:spPr>
-        <p:txBody>
-          <a:bodyPr wrap="square" rtlCol="0">
-            <a:spAutoFit/>
-          </a:bodyPr>
-          <a:lstStyle>
-            <a:defPPr>
-              <a:defRPr lang="ko-KR"/>
-            </a:defPPr>
-            <a:lvl1pPr>
-              <a:defRPr sz="1100">
-                <a:solidFill>
-                  <a:schemeClr val="tx1">
-                    <a:lumMod val="75000"/>
-                    <a:lumOff val="25000"/>
-                  </a:schemeClr>
-                </a:solidFill>
-              </a:defRPr>
-            </a:lvl1pPr>
-          </a:lstStyle>
-          <a:p>
-            <a:r>
-              <a:rPr lang="en-US" altLang="ko-KR" sz="1200" dirty="0">
-                <a:solidFill>
-                  <a:srgbClr val="1F2025"/>
-                </a:solidFill>
-              </a:rPr>
-              <a:t>Lorem ipsum dolor sit </a:t>
-            </a:r>
-            <a:r>
-              <a:rPr lang="en-US" altLang="ko-KR" sz="1200" dirty="0" err="1">
-                <a:solidFill>
-                  <a:srgbClr val="1F2025"/>
-                </a:solidFill>
-              </a:rPr>
-              <a:t>amet</a:t>
-            </a:r>
-            <a:r>
-              <a:rPr lang="en-US" altLang="ko-KR" sz="1200" dirty="0">
-                <a:solidFill>
-                  <a:srgbClr val="1F2025"/>
-                </a:solidFill>
-              </a:rPr>
-              <a:t>, </a:t>
-            </a:r>
-            <a:r>
-              <a:rPr lang="en-US" altLang="ko-KR" sz="1200" dirty="0" err="1">
-                <a:solidFill>
-                  <a:srgbClr val="1F2025"/>
-                </a:solidFill>
-              </a:rPr>
-              <a:t>consectetur</a:t>
-            </a:r>
-            <a:r>
-              <a:rPr lang="en-US" altLang="ko-KR" sz="1200" dirty="0">
-                <a:solidFill>
-                  <a:srgbClr val="1F2025"/>
-                </a:solidFill>
-              </a:rPr>
-              <a:t> </a:t>
-            </a:r>
-            <a:r>
-              <a:rPr lang="en-US" altLang="ko-KR" sz="1200" dirty="0" err="1">
-                <a:solidFill>
-                  <a:srgbClr val="1F2025"/>
-                </a:solidFill>
-              </a:rPr>
-              <a:t>adipiscing</a:t>
-            </a:r>
-            <a:r>
-              <a:rPr lang="en-US" altLang="ko-KR" sz="1200" dirty="0">
-                <a:solidFill>
-                  <a:srgbClr val="1F2025"/>
-                </a:solidFill>
-              </a:rPr>
-              <a:t> </a:t>
-            </a:r>
-            <a:r>
-              <a:rPr lang="en-US" altLang="ko-KR" sz="1200" dirty="0" err="1">
-                <a:solidFill>
-                  <a:srgbClr val="1F2025"/>
-                </a:solidFill>
-              </a:rPr>
-              <a:t>elit</a:t>
-            </a:r>
-            <a:r>
-              <a:rPr lang="en-US" altLang="ko-KR" sz="1200" dirty="0">
-                <a:solidFill>
-                  <a:srgbClr val="1F2025"/>
-                </a:solidFill>
-              </a:rPr>
-              <a:t>, sed do </a:t>
-            </a:r>
-            <a:r>
-              <a:rPr lang="en-US" altLang="ko-KR" sz="1200" dirty="0" err="1">
-                <a:solidFill>
-                  <a:srgbClr val="1F2025"/>
-                </a:solidFill>
-              </a:rPr>
-              <a:t>eiusmod</a:t>
-            </a:r>
-            <a:r>
-              <a:rPr lang="en-US" altLang="ko-KR" sz="1200" dirty="0">
-                <a:solidFill>
-                  <a:srgbClr val="1F2025"/>
-                </a:solidFill>
-              </a:rPr>
-              <a:t> </a:t>
-            </a:r>
-            <a:r>
-              <a:rPr lang="en-US" altLang="ko-KR" sz="1200" dirty="0" err="1">
-                <a:solidFill>
-                  <a:srgbClr val="1F2025"/>
-                </a:solidFill>
-              </a:rPr>
-              <a:t>tempor</a:t>
-            </a:r>
-            <a:r>
-              <a:rPr lang="en-US" altLang="ko-KR" sz="1200" dirty="0">
-                <a:solidFill>
-                  <a:srgbClr val="1F2025"/>
-                </a:solidFill>
-              </a:rPr>
-              <a:t> </a:t>
-            </a:r>
-            <a:r>
-              <a:rPr lang="en-US" altLang="ko-KR" sz="1200" dirty="0" err="1">
-                <a:solidFill>
-                  <a:srgbClr val="1F2025"/>
-                </a:solidFill>
-              </a:rPr>
-              <a:t>incididunt</a:t>
-            </a:r>
-            <a:r>
-              <a:rPr lang="en-US" altLang="ko-KR" sz="1200" dirty="0">
-                <a:solidFill>
-                  <a:srgbClr val="1F2025"/>
-                </a:solidFill>
-              </a:rPr>
-              <a:t> </a:t>
-            </a:r>
-            <a:r>
-              <a:rPr lang="en-US" altLang="ko-KR" sz="1200" dirty="0" err="1">
-                <a:solidFill>
-                  <a:srgbClr val="1F2025"/>
-                </a:solidFill>
-              </a:rPr>
-              <a:t>ut</a:t>
-            </a:r>
-            <a:r>
-              <a:rPr lang="en-US" altLang="ko-KR" sz="1200" dirty="0">
-                <a:solidFill>
-                  <a:srgbClr val="1F2025"/>
-                </a:solidFill>
-              </a:rPr>
-              <a:t> </a:t>
-            </a:r>
-            <a:r>
-              <a:rPr lang="en-US" altLang="ko-KR" sz="1200" dirty="0" err="1">
-                <a:solidFill>
-                  <a:srgbClr val="1F2025"/>
-                </a:solidFill>
-              </a:rPr>
-              <a:t>labore</a:t>
-            </a:r>
-            <a:r>
-              <a:rPr lang="en-US" altLang="ko-KR" sz="1200" dirty="0">
-                <a:solidFill>
-                  <a:srgbClr val="1F2025"/>
-                </a:solidFill>
-              </a:rPr>
-              <a:t> et dolore magna </a:t>
-            </a:r>
-            <a:r>
-              <a:rPr lang="en-US" altLang="ko-KR" sz="1200" dirty="0" err="1">
-                <a:solidFill>
-                  <a:srgbClr val="1F2025"/>
-                </a:solidFill>
-              </a:rPr>
-              <a:t>aliqua</a:t>
-            </a:r>
-            <a:r>
-              <a:rPr lang="en-US" altLang="ko-KR" sz="1200" dirty="0">
-                <a:solidFill>
-                  <a:srgbClr val="1F2025"/>
-                </a:solidFill>
-              </a:rPr>
-              <a:t>.</a:t>
-            </a:r>
-          </a:p>
-        </p:txBody>
-      </p:sp>
-      <p:sp>
-        <p:nvSpPr>
-          <p:cNvPr id="16" name="직사각형 15">
-            <a:extLst>
-              <a:ext uri="{FF2B5EF4-FFF2-40B4-BE49-F238E27FC236}">
-                <a16:creationId xmlns:a16="http://schemas.microsoft.com/office/drawing/2014/main" id="{B73FE535-94A1-4E5D-B190-1D99674EF915}"/>
-              </a:ext>
-            </a:extLst>
-          </p:cNvPr>
-          <p:cNvSpPr/>
-          <p:nvPr/>
-        </p:nvSpPr>
-        <p:spPr>
-          <a:xfrm>
-            <a:off x="0" y="6206532"/>
-            <a:ext cx="12192000" cy="651468"/>
-          </a:xfrm>
-          <a:prstGeom prst="rect">
-            <a:avLst/>
-          </a:prstGeom>
-          <a:solidFill>
-            <a:srgbClr val="1F2025"/>
-          </a:solidFill>
-          <a:ln w="9525" cap="flat">
-            <a:noFill/>
-            <a:prstDash val="solid"/>
-            <a:miter/>
-          </a:ln>
-        </p:spPr>
-        <p:txBody>
-          <a:bodyPr rot="0" spcFirstLastPara="0" vertOverflow="overflow" horzOverflow="overflow" vert="horz" wrap="square" lIns="91440" tIns="45720" rIns="91440" bIns="45720" numCol="1" spcCol="0" rtlCol="0" fromWordArt="0" anchor="ctr" anchorCtr="0" forceAA="0" compatLnSpc="1">
-            <a:prstTxWarp prst="textNoShape">
-              <a:avLst/>
-            </a:prstTxWarp>
-            <a:noAutofit/>
-          </a:bodyPr>
-          <a:lstStyle/>
-          <a:p>
-            <a:pPr algn="l"/>
-            <a:endParaRPr lang="ko-KR" altLang="en-US"/>
-          </a:p>
-        </p:txBody>
-      </p:sp>
       <p:pic>
         <p:nvPicPr>
-          <p:cNvPr id="17" name="그래픽 16">
-            <a:extLst>
-              <a:ext uri="{FF2B5EF4-FFF2-40B4-BE49-F238E27FC236}">
-                <a16:creationId xmlns:a16="http://schemas.microsoft.com/office/drawing/2014/main" id="{7A988829-597B-495C-9112-A39D40EF9F77}"/>
+          <p:cNvPr id="7" name="그래픽 6">
+            <a:extLst>
+              <a:ext uri="{FF2B5EF4-FFF2-40B4-BE49-F238E27FC236}">
+                <a16:creationId xmlns:a16="http://schemas.microsoft.com/office/drawing/2014/main" id="{174595B1-92CE-44ED-97FE-F6A897FE48EF}"/>
               </a:ext>
             </a:extLst>
           </p:cNvPr>
@@ -4424,8 +4828,8 @@
         </p:blipFill>
         <p:spPr>
           <a:xfrm>
-            <a:off x="11222584" y="6348701"/>
-            <a:ext cx="626516" cy="367130"/>
+            <a:off x="272402" y="217015"/>
+            <a:ext cx="834391" cy="488942"/>
           </a:xfrm>
           <a:prstGeom prst="rect">
             <a:avLst/>
@@ -4435,142 +4839,7 @@
     </p:spTree>
     <p:extLst>
       <p:ext uri="{BB962C8B-B14F-4D97-AF65-F5344CB8AC3E}">
-        <p14:creationId xmlns:p14="http://schemas.microsoft.com/office/powerpoint/2010/main" val="3780947865"/>
-      </p:ext>
-    </p:extLst>
-  </p:cSld>
-  <p:clrMapOvr>
-    <a:masterClrMapping/>
-  </p:clrMapOvr>
-</p:sld>
-</file>
-
-<file path=ppt/slides/slide13.xml><?xml version="1.0" encoding="utf-8"?>
-<p:sld xmlns:a="http://schemas.openxmlformats.org/drawingml/2006/main" xmlns:r="http://schemas.openxmlformats.org/officeDocument/2006/relationships" xmlns:p="http://schemas.openxmlformats.org/presentationml/2006/main">
-  <p:cSld>
-    <p:spTree>
-      <p:nvGrpSpPr>
-        <p:cNvPr id="1" name=""/>
-        <p:cNvGrpSpPr/>
-        <p:nvPr/>
-      </p:nvGrpSpPr>
-      <p:grpSpPr>
-        <a:xfrm>
-          <a:off x="0" y="0"/>
-          <a:ext cx="0" cy="0"/>
-          <a:chOff x="0" y="0"/>
-          <a:chExt cx="0" cy="0"/>
-        </a:xfrm>
-      </p:grpSpPr>
-      <p:sp>
-        <p:nvSpPr>
-          <p:cNvPr id="2" name="TextBox 1">
-            <a:extLst>
-              <a:ext uri="{FF2B5EF4-FFF2-40B4-BE49-F238E27FC236}">
-                <a16:creationId xmlns:a16="http://schemas.microsoft.com/office/drawing/2014/main" id="{D142F346-FC6A-493B-995E-DB2FC357CBE3}"/>
-              </a:ext>
-            </a:extLst>
-          </p:cNvPr>
-          <p:cNvSpPr txBox="1"/>
-          <p:nvPr/>
-        </p:nvSpPr>
-        <p:spPr>
-          <a:xfrm>
-            <a:off x="3708400" y="2759168"/>
-            <a:ext cx="4775200" cy="1200329"/>
-          </a:xfrm>
-          <a:prstGeom prst="rect">
-            <a:avLst/>
-          </a:prstGeom>
-          <a:noFill/>
-        </p:spPr>
-        <p:txBody>
-          <a:bodyPr wrap="square" rtlCol="0">
-            <a:spAutoFit/>
-          </a:bodyPr>
-          <a:lstStyle/>
-          <a:p>
-            <a:pPr algn="ctr"/>
-            <a:r>
-              <a:rPr lang="en-US" altLang="ko-KR" sz="3600" b="1">
-                <a:solidFill>
-                  <a:srgbClr val="1F2025"/>
-                </a:solidFill>
-                <a:latin typeface="+mj-lt"/>
-                <a:cs typeface="Arial" panose="020B0604020202020204" pitchFamily="34" charset="0"/>
-              </a:rPr>
-              <a:t>V</a:t>
-            </a:r>
-            <a:r>
-              <a:rPr lang="vi-VN" altLang="ko-KR" sz="3600" b="1">
-                <a:solidFill>
-                  <a:srgbClr val="1F2025"/>
-                </a:solidFill>
-                <a:latin typeface="+mj-lt"/>
-                <a:cs typeface="Arial" panose="020B0604020202020204" pitchFamily="34" charset="0"/>
-              </a:rPr>
-              <a:t>. </a:t>
-            </a:r>
-            <a:r>
-              <a:rPr lang="en-US" altLang="ko-KR" sz="3600" b="1">
-                <a:solidFill>
-                  <a:srgbClr val="1F2025"/>
-                </a:solidFill>
-                <a:latin typeface="+mj-lt"/>
-                <a:cs typeface="Arial" panose="020B0604020202020204" pitchFamily="34" charset="0"/>
-              </a:rPr>
-              <a:t>MỘT SỐ KẾT QUẢ ĐÁNH GIÁ</a:t>
-            </a:r>
-            <a:endParaRPr lang="ko-KR" altLang="en-US" sz="3600" b="1" dirty="0">
-              <a:solidFill>
-                <a:srgbClr val="1F2025"/>
-              </a:solidFill>
-              <a:latin typeface="+mj-lt"/>
-              <a:cs typeface="Arial" panose="020B0604020202020204" pitchFamily="34" charset="0"/>
-            </a:endParaRPr>
-          </a:p>
-        </p:txBody>
-      </p:sp>
-      <p:pic>
-        <p:nvPicPr>
-          <p:cNvPr id="7" name="그래픽 6">
-            <a:extLst>
-              <a:ext uri="{FF2B5EF4-FFF2-40B4-BE49-F238E27FC236}">
-                <a16:creationId xmlns:a16="http://schemas.microsoft.com/office/drawing/2014/main" id="{174595B1-92CE-44ED-97FE-F6A897FE48EF}"/>
-              </a:ext>
-            </a:extLst>
-          </p:cNvPr>
-          <p:cNvPicPr>
-            <a:picLocks noChangeAspect="1"/>
-          </p:cNvPicPr>
-          <p:nvPr/>
-        </p:nvPicPr>
-        <p:blipFill>
-          <a:blip r:embed="rId2">
-            <a:extLst>
-              <a:ext uri="{96DAC541-7B7A-43D3-8B79-37D633B846F1}">
-                <asvg:svgBlip xmlns:asvg="http://schemas.microsoft.com/office/drawing/2016/SVG/main" r:embed="rId3"/>
-              </a:ext>
-            </a:extLst>
-          </a:blip>
-          <a:stretch>
-            <a:fillRect/>
-          </a:stretch>
-        </p:blipFill>
-        <p:spPr>
-          <a:xfrm>
-            <a:off x="272402" y="217015"/>
-            <a:ext cx="834391" cy="488942"/>
-          </a:xfrm>
-          <a:prstGeom prst="rect">
-            <a:avLst/>
-          </a:prstGeom>
-        </p:spPr>
-      </p:pic>
-    </p:spTree>
-    <p:extLst>
-      <p:ext uri="{BB962C8B-B14F-4D97-AF65-F5344CB8AC3E}">
-        <p14:creationId xmlns:p14="http://schemas.microsoft.com/office/powerpoint/2010/main" val="2539731867"/>
+        <p14:creationId xmlns:p14="http://schemas.microsoft.com/office/powerpoint/2010/main" val="2428148938"/>
       </p:ext>
     </p:extLst>
   </p:cSld>
@@ -4602,7 +4871,7 @@
           <p:cNvPr id="2" name="TextBox 1">
             <a:extLst>
               <a:ext uri="{FF2B5EF4-FFF2-40B4-BE49-F238E27FC236}">
-                <a16:creationId xmlns:a16="http://schemas.microsoft.com/office/drawing/2014/main" id="{D142F346-FC6A-493B-995E-DB2FC357CBE3}"/>
+                <a16:creationId xmlns:a16="http://schemas.microsoft.com/office/drawing/2014/main" id="{4ECC80F9-88DA-415C-B69B-55F6C7756629}"/>
               </a:ext>
             </a:extLst>
           </p:cNvPr>
@@ -4611,8 +4880,8 @@
         </p:nvSpPr>
         <p:spPr>
           <a:xfrm>
-            <a:off x="3708400" y="2759168"/>
-            <a:ext cx="4775200" cy="646331"/>
+            <a:off x="578715" y="465985"/>
+            <a:ext cx="5317883" cy="461665"/>
           </a:xfrm>
           <a:prstGeom prst="rect">
             <a:avLst/>
@@ -4625,38 +4894,17 @@
           </a:bodyPr>
           <a:lstStyle/>
           <a:p>
-            <a:pPr algn="ctr"/>
-            <a:r>
-              <a:rPr lang="en-US" altLang="ko-KR" sz="3600" b="1">
+            <a:r>
+              <a:rPr lang="en-US" altLang="ko-KR" sz="2400">
                 <a:solidFill>
                   <a:srgbClr val="1F2025"/>
                 </a:solidFill>
                 <a:latin typeface="+mj-lt"/>
                 <a:cs typeface="Arial" panose="020B0604020202020204" pitchFamily="34" charset="0"/>
               </a:rPr>
-              <a:t>VI</a:t>
-            </a:r>
-            <a:r>
-              <a:rPr lang="vi-VN" altLang="ko-KR" sz="3600" b="1">
-                <a:solidFill>
-                  <a:srgbClr val="1F2025"/>
-                </a:solidFill>
-                <a:latin typeface="+mj-lt"/>
-                <a:cs typeface="Arial" panose="020B0604020202020204" pitchFamily="34" charset="0"/>
-              </a:rPr>
-              <a:t>. </a:t>
-            </a:r>
-            <a:r>
-              <a:rPr lang="en-US" altLang="ko-KR" sz="3600" b="1">
-                <a:solidFill>
-                  <a:srgbClr val="1F2025"/>
-                </a:solidFill>
-                <a:latin typeface="+mj-lt"/>
-                <a:cs typeface="Arial" panose="020B0604020202020204" pitchFamily="34" charset="0"/>
-              </a:rPr>
-              <a:t>KẾT LUẬN</a:t>
-            </a:r>
-            <a:endParaRPr lang="ko-KR" altLang="en-US" sz="3600" b="1" dirty="0">
+              <a:t>SWIN TRANSFORMER V2</a:t>
+            </a:r>
+            <a:endParaRPr lang="ko-KR" altLang="en-US" sz="2400" dirty="0">
               <a:solidFill>
                 <a:srgbClr val="1F2025"/>
               </a:solidFill>
@@ -4666,12 +4914,181 @@
           </a:p>
         </p:txBody>
       </p:sp>
+      <p:sp>
+        <p:nvSpPr>
+          <p:cNvPr id="3" name="TextBox 2">
+            <a:extLst>
+              <a:ext uri="{FF2B5EF4-FFF2-40B4-BE49-F238E27FC236}">
+                <a16:creationId xmlns:a16="http://schemas.microsoft.com/office/drawing/2014/main" id="{4A5778BD-E06C-4169-AA97-F60816239A15}"/>
+              </a:ext>
+            </a:extLst>
+          </p:cNvPr>
+          <p:cNvSpPr txBox="1"/>
+          <p:nvPr/>
+        </p:nvSpPr>
+        <p:spPr>
+          <a:xfrm>
+            <a:off x="388703" y="1813403"/>
+            <a:ext cx="4799117" cy="2585323"/>
+          </a:xfrm>
+          <a:prstGeom prst="rect">
+            <a:avLst/>
+          </a:prstGeom>
+          <a:noFill/>
+        </p:spPr>
+        <p:txBody>
+          <a:bodyPr wrap="square" rtlCol="0">
+            <a:spAutoFit/>
+          </a:bodyPr>
+          <a:lstStyle>
+            <a:defPPr>
+              <a:defRPr lang="ko-KR"/>
+            </a:defPPr>
+            <a:lvl1pPr>
+              <a:defRPr sz="1100">
+                <a:solidFill>
+                  <a:schemeClr val="tx1">
+                    <a:lumMod val="75000"/>
+                    <a:lumOff val="25000"/>
+                  </a:schemeClr>
+                </a:solidFill>
+              </a:defRPr>
+            </a:lvl1pPr>
+          </a:lstStyle>
+          <a:p>
+            <a:pPr marL="171450" indent="-171450">
+              <a:buFontTx/>
+              <a:buChar char="-"/>
+            </a:pPr>
+            <a:r>
+              <a:rPr lang="en-US" altLang="ko-KR" sz="1800">
+                <a:solidFill>
+                  <a:srgbClr val="1F2025"/>
+                </a:solidFill>
+              </a:rPr>
+              <a:t>Được giới thiệu tháng 11/2021.</a:t>
+            </a:r>
+          </a:p>
+          <a:p>
+            <a:pPr marL="171450" indent="-171450">
+              <a:buFontTx/>
+              <a:buChar char="-"/>
+            </a:pPr>
+            <a:r>
+              <a:rPr lang="en-US" altLang="ko-KR" sz="1800">
+                <a:solidFill>
+                  <a:srgbClr val="1F2025"/>
+                </a:solidFill>
+              </a:rPr>
+              <a:t>Dựa trên kiến trúc của Swin Transformer V1, có thêm một số cải tiến để cải thiện hiệu năng cũng nh</a:t>
+            </a:r>
+            <a:r>
+              <a:rPr lang="vi-VN" altLang="ko-KR" sz="1800">
+                <a:solidFill>
+                  <a:srgbClr val="1F2025"/>
+                </a:solidFill>
+              </a:rPr>
+              <a:t>ư</a:t>
+            </a:r>
+            <a:r>
+              <a:rPr lang="en-US" altLang="ko-KR" sz="1800">
+                <a:solidFill>
+                  <a:srgbClr val="1F2025"/>
+                </a:solidFill>
+              </a:rPr>
+              <a:t> độ phân giải đầu vào.</a:t>
+            </a:r>
+          </a:p>
+          <a:p>
+            <a:pPr marL="171450" indent="-171450">
+              <a:buFontTx/>
+              <a:buChar char="-"/>
+            </a:pPr>
+            <a:r>
+              <a:rPr lang="en-US" altLang="ko-KR" sz="1800">
+                <a:solidFill>
+                  <a:srgbClr val="1F2025"/>
+                </a:solidFill>
+              </a:rPr>
+              <a:t>Mô hình lên tới 3 tỷ tham số, huấn luyện với độ phân giải lên tới 1536x1536 pixels.</a:t>
+            </a:r>
+          </a:p>
+          <a:p>
+            <a:pPr marL="171450" indent="-171450">
+              <a:buFontTx/>
+              <a:buChar char="-"/>
+            </a:pPr>
+            <a:r>
+              <a:rPr lang="en-US" altLang="ko-KR" sz="1800">
+                <a:solidFill>
+                  <a:srgbClr val="1F2025"/>
+                </a:solidFill>
+              </a:rPr>
+              <a:t>Thiết lập SOTA trên các thang đo đại diện cho các bài toán về thị giác máy tính.</a:t>
+            </a:r>
+          </a:p>
+          <a:p>
+            <a:pPr marL="171450" indent="-171450">
+              <a:buFontTx/>
+              <a:buChar char="-"/>
+            </a:pPr>
+            <a:endParaRPr lang="en-US" altLang="ko-KR" sz="1800" dirty="0">
+              <a:solidFill>
+                <a:srgbClr val="1F2025"/>
+              </a:solidFill>
+            </a:endParaRPr>
+          </a:p>
+        </p:txBody>
+      </p:sp>
+      <p:sp>
+        <p:nvSpPr>
+          <p:cNvPr id="16" name="직사각형 15">
+            <a:extLst>
+              <a:ext uri="{FF2B5EF4-FFF2-40B4-BE49-F238E27FC236}">
+                <a16:creationId xmlns:a16="http://schemas.microsoft.com/office/drawing/2014/main" id="{B73FE535-94A1-4E5D-B190-1D99674EF915}"/>
+              </a:ext>
+            </a:extLst>
+          </p:cNvPr>
+          <p:cNvSpPr/>
+          <p:nvPr/>
+        </p:nvSpPr>
+        <p:spPr>
+          <a:xfrm>
+            <a:off x="0" y="6206532"/>
+            <a:ext cx="12192000" cy="651468"/>
+          </a:xfrm>
+          <a:prstGeom prst="rect">
+            <a:avLst/>
+          </a:prstGeom>
+          <a:solidFill>
+            <a:srgbClr val="1F2025"/>
+          </a:solidFill>
+          <a:ln w="9525" cap="flat">
+            <a:noFill/>
+            <a:prstDash val="solid"/>
+            <a:miter/>
+          </a:ln>
+        </p:spPr>
+        <p:txBody>
+          <a:bodyPr rot="0" spcFirstLastPara="0" vertOverflow="overflow" horzOverflow="overflow" vert="horz" wrap="square" lIns="91440" tIns="45720" rIns="91440" bIns="45720" numCol="1" spcCol="0" rtlCol="0" fromWordArt="0" anchor="ctr" anchorCtr="0" forceAA="0" compatLnSpc="1">
+            <a:prstTxWarp prst="textNoShape">
+              <a:avLst/>
+            </a:prstTxWarp>
+            <a:noAutofit/>
+          </a:bodyPr>
+          <a:lstStyle/>
+          <a:p>
+            <a:pPr algn="l"/>
+            <a:endParaRPr lang="ko-KR" altLang="en-US"/>
+          </a:p>
+        </p:txBody>
+      </p:sp>
       <p:pic>
         <p:nvPicPr>
-          <p:cNvPr id="7" name="그래픽 6">
-            <a:extLst>
-              <a:ext uri="{FF2B5EF4-FFF2-40B4-BE49-F238E27FC236}">
-                <a16:creationId xmlns:a16="http://schemas.microsoft.com/office/drawing/2014/main" id="{174595B1-92CE-44ED-97FE-F6A897FE48EF}"/>
+          <p:cNvPr id="17" name="그래픽 16">
+            <a:extLst>
+              <a:ext uri="{FF2B5EF4-FFF2-40B4-BE49-F238E27FC236}">
+                <a16:creationId xmlns:a16="http://schemas.microsoft.com/office/drawing/2014/main" id="{7A988829-597B-495C-9112-A39D40EF9F77}"/>
               </a:ext>
             </a:extLst>
           </p:cNvPr>
@@ -4694,8 +5111,38 @@
         </p:blipFill>
         <p:spPr>
           <a:xfrm>
-            <a:off x="272402" y="217015"/>
-            <a:ext cx="834391" cy="488942"/>
+            <a:off x="11222584" y="6348701"/>
+            <a:ext cx="626516" cy="367130"/>
+          </a:xfrm>
+          <a:prstGeom prst="rect">
+            <a:avLst/>
+          </a:prstGeom>
+        </p:spPr>
+      </p:pic>
+      <p:pic>
+        <p:nvPicPr>
+          <p:cNvPr id="4" name="Picture 3">
+            <a:extLst>
+              <a:ext uri="{FF2B5EF4-FFF2-40B4-BE49-F238E27FC236}">
+                <a16:creationId xmlns:a16="http://schemas.microsoft.com/office/drawing/2014/main" id="{4180287D-0413-4A11-9FC5-C6A843A853A5}"/>
+              </a:ext>
+            </a:extLst>
+          </p:cNvPr>
+          <p:cNvPicPr>
+            <a:picLocks noChangeAspect="1"/>
+          </p:cNvPicPr>
+          <p:nvPr/>
+        </p:nvPicPr>
+        <p:blipFill>
+          <a:blip r:embed="rId4"/>
+          <a:stretch>
+            <a:fillRect/>
+          </a:stretch>
+        </p:blipFill>
+        <p:spPr>
+          <a:xfrm>
+            <a:off x="5705281" y="706092"/>
+            <a:ext cx="5372100" cy="5000625"/>
           </a:xfrm>
           <a:prstGeom prst="rect">
             <a:avLst/>
@@ -4705,7 +5152,7 @@
     </p:spTree>
     <p:extLst>
       <p:ext uri="{BB962C8B-B14F-4D97-AF65-F5344CB8AC3E}">
-        <p14:creationId xmlns:p14="http://schemas.microsoft.com/office/powerpoint/2010/main" val="2705175859"/>
+        <p14:creationId xmlns:p14="http://schemas.microsoft.com/office/powerpoint/2010/main" val="829733736"/>
       </p:ext>
     </p:extLst>
   </p:cSld>
@@ -4716,6 +5163,171 @@
 </file>
 
 <file path=ppt/slides/slide15.xml><?xml version="1.0" encoding="utf-8"?>
+<p:sld xmlns:a="http://schemas.openxmlformats.org/drawingml/2006/main" xmlns:r="http://schemas.openxmlformats.org/officeDocument/2006/relationships" xmlns:p="http://schemas.openxmlformats.org/presentationml/2006/main">
+  <p:cSld>
+    <p:spTree>
+      <p:nvGrpSpPr>
+        <p:cNvPr id="1" name=""/>
+        <p:cNvGrpSpPr/>
+        <p:nvPr/>
+      </p:nvGrpSpPr>
+      <p:grpSpPr>
+        <a:xfrm>
+          <a:off x="0" y="0"/>
+          <a:ext cx="0" cy="0"/>
+          <a:chOff x="0" y="0"/>
+          <a:chExt cx="0" cy="0"/>
+        </a:xfrm>
+      </p:grpSpPr>
+      <p:sp>
+        <p:nvSpPr>
+          <p:cNvPr id="2" name="TextBox 1">
+            <a:extLst>
+              <a:ext uri="{FF2B5EF4-FFF2-40B4-BE49-F238E27FC236}">
+                <a16:creationId xmlns:a16="http://schemas.microsoft.com/office/drawing/2014/main" id="{D142F346-FC6A-493B-995E-DB2FC357CBE3}"/>
+              </a:ext>
+            </a:extLst>
+          </p:cNvPr>
+          <p:cNvSpPr txBox="1"/>
+          <p:nvPr/>
+        </p:nvSpPr>
+        <p:spPr>
+          <a:xfrm>
+            <a:off x="3708400" y="2759168"/>
+            <a:ext cx="4775200" cy="1200329"/>
+          </a:xfrm>
+          <a:prstGeom prst="rect">
+            <a:avLst/>
+          </a:prstGeom>
+          <a:noFill/>
+        </p:spPr>
+        <p:txBody>
+          <a:bodyPr wrap="square" rtlCol="0">
+            <a:spAutoFit/>
+          </a:bodyPr>
+          <a:lstStyle/>
+          <a:p>
+            <a:pPr algn="ctr"/>
+            <a:r>
+              <a:rPr lang="vi-VN" altLang="ko-KR" sz="3600" b="1">
+                <a:solidFill>
+                  <a:srgbClr val="1F2025"/>
+                </a:solidFill>
+                <a:latin typeface="Calibri" panose="020F0502020204030204" pitchFamily="34" charset="0"/>
+                <a:cs typeface="Calibri" panose="020F0502020204030204" pitchFamily="34" charset="0"/>
+              </a:rPr>
+              <a:t>I</a:t>
+            </a:r>
+            <a:r>
+              <a:rPr lang="en-US" altLang="ko-KR" sz="3600" b="1">
+                <a:solidFill>
+                  <a:srgbClr val="1F2025"/>
+                </a:solidFill>
+                <a:latin typeface="Calibri" panose="020F0502020204030204" pitchFamily="34" charset="0"/>
+                <a:cs typeface="Calibri" panose="020F0502020204030204" pitchFamily="34" charset="0"/>
+              </a:rPr>
+              <a:t>V</a:t>
+            </a:r>
+            <a:r>
+              <a:rPr lang="vi-VN" altLang="ko-KR" sz="3600" b="1">
+                <a:solidFill>
+                  <a:srgbClr val="1F2025"/>
+                </a:solidFill>
+                <a:latin typeface="Calibri" panose="020F0502020204030204" pitchFamily="34" charset="0"/>
+                <a:cs typeface="Calibri" panose="020F0502020204030204" pitchFamily="34" charset="0"/>
+              </a:rPr>
+              <a:t>. CÁC </a:t>
+            </a:r>
+            <a:r>
+              <a:rPr lang="en-US" altLang="ko-KR" sz="3600" b="1">
+                <a:solidFill>
+                  <a:srgbClr val="1F2025"/>
+                </a:solidFill>
+                <a:latin typeface="Calibri" panose="020F0502020204030204" pitchFamily="34" charset="0"/>
+                <a:cs typeface="Calibri" panose="020F0502020204030204" pitchFamily="34" charset="0"/>
+              </a:rPr>
+              <a:t>KỸ THUẬT MỚI Đ</a:t>
+            </a:r>
+            <a:r>
+              <a:rPr lang="vi-VN" altLang="ko-KR" sz="3600" b="1">
+                <a:solidFill>
+                  <a:srgbClr val="1F2025"/>
+                </a:solidFill>
+                <a:latin typeface="Calibri" panose="020F0502020204030204" pitchFamily="34" charset="0"/>
+                <a:cs typeface="Calibri" panose="020F0502020204030204" pitchFamily="34" charset="0"/>
+              </a:rPr>
+              <a:t>Ư</a:t>
+            </a:r>
+            <a:r>
+              <a:rPr lang="en-US" altLang="ko-KR" sz="3600" b="1">
+                <a:solidFill>
+                  <a:srgbClr val="1F2025"/>
+                </a:solidFill>
+                <a:latin typeface="Calibri" panose="020F0502020204030204" pitchFamily="34" charset="0"/>
+                <a:cs typeface="Calibri" panose="020F0502020204030204" pitchFamily="34" charset="0"/>
+              </a:rPr>
+              <a:t>ỢC ĐỀ XUẤT</a:t>
+            </a:r>
+            <a:endParaRPr lang="ko-KR" altLang="en-US" sz="3600" b="1" dirty="0">
+              <a:solidFill>
+                <a:srgbClr val="1F2025"/>
+              </a:solidFill>
+              <a:latin typeface="Calibri" panose="020F0502020204030204" pitchFamily="34" charset="0"/>
+              <a:cs typeface="Calibri" panose="020F0502020204030204" pitchFamily="34" charset="0"/>
+            </a:endParaRPr>
+          </a:p>
+        </p:txBody>
+      </p:sp>
+      <p:pic>
+        <p:nvPicPr>
+          <p:cNvPr id="7" name="그래픽 6">
+            <a:extLst>
+              <a:ext uri="{FF2B5EF4-FFF2-40B4-BE49-F238E27FC236}">
+                <a16:creationId xmlns:a16="http://schemas.microsoft.com/office/drawing/2014/main" id="{174595B1-92CE-44ED-97FE-F6A897FE48EF}"/>
+              </a:ext>
+            </a:extLst>
+          </p:cNvPr>
+          <p:cNvPicPr>
+            <a:picLocks noChangeAspect="1"/>
+          </p:cNvPicPr>
+          <p:nvPr/>
+        </p:nvPicPr>
+        <p:blipFill>
+          <a:blip r:embed="rId2">
+            <a:extLst>
+              <a:ext uri="{96DAC541-7B7A-43D3-8B79-37D633B846F1}">
+                <asvg:svgBlip xmlns:asvg="http://schemas.microsoft.com/office/drawing/2016/SVG/main" r:embed="rId3"/>
+              </a:ext>
+            </a:extLst>
+          </a:blip>
+          <a:stretch>
+            <a:fillRect/>
+          </a:stretch>
+        </p:blipFill>
+        <p:spPr>
+          <a:xfrm>
+            <a:off x="272402" y="217015"/>
+            <a:ext cx="834391" cy="488942"/>
+          </a:xfrm>
+          <a:prstGeom prst="rect">
+            <a:avLst/>
+          </a:prstGeom>
+        </p:spPr>
+      </p:pic>
+    </p:spTree>
+    <p:extLst>
+      <p:ext uri="{BB962C8B-B14F-4D97-AF65-F5344CB8AC3E}">
+        <p14:creationId xmlns:p14="http://schemas.microsoft.com/office/powerpoint/2010/main" val="4267959614"/>
+      </p:ext>
+    </p:extLst>
+  </p:cSld>
+  <p:clrMapOvr>
+    <a:masterClrMapping/>
+  </p:clrMapOvr>
+</p:sld>
+</file>
+
+<file path=ppt/slides/slide16.xml><?xml version="1.0" encoding="utf-8"?>
 <p:sld xmlns:a="http://schemas.openxmlformats.org/drawingml/2006/main" xmlns:r="http://schemas.openxmlformats.org/officeDocument/2006/relationships" xmlns:p="http://schemas.openxmlformats.org/presentationml/2006/main" showMasterSp="0">
   <p:cSld>
     <p:spTree>
@@ -4734,53 +5346,58 @@
       </p:grpSpPr>
       <p:sp>
         <p:nvSpPr>
-          <p:cNvPr id="4" name="직사각형 15">
-            <a:extLst>
-              <a:ext uri="{FF2B5EF4-FFF2-40B4-BE49-F238E27FC236}">
-                <a16:creationId xmlns:a16="http://schemas.microsoft.com/office/drawing/2014/main" id="{B73FE535-94A1-4E5D-B190-1D99674EF915}"/>
-              </a:ext>
-            </a:extLst>
-          </p:cNvPr>
-          <p:cNvSpPr/>
+          <p:cNvPr id="2" name="TextBox 1">
+            <a:extLst>
+              <a:ext uri="{FF2B5EF4-FFF2-40B4-BE49-F238E27FC236}">
+                <a16:creationId xmlns:a16="http://schemas.microsoft.com/office/drawing/2014/main" id="{4ECC80F9-88DA-415C-B69B-55F6C7756629}"/>
+              </a:ext>
+            </a:extLst>
+          </p:cNvPr>
+          <p:cNvSpPr txBox="1"/>
           <p:nvPr/>
         </p:nvSpPr>
         <p:spPr>
           <a:xfrm>
-            <a:off x="0" y="0"/>
-            <a:ext cx="12192000" cy="6858000"/>
-          </a:xfrm>
-          <a:prstGeom prst="rect">
-            <a:avLst/>
-          </a:prstGeom>
-          <a:solidFill>
-            <a:srgbClr val="1F2025"/>
-          </a:solidFill>
-          <a:ln w="9525" cap="flat">
-            <a:noFill/>
-            <a:prstDash val="solid"/>
-            <a:miter/>
-          </a:ln>
+            <a:off x="578715" y="482981"/>
+            <a:ext cx="5317883" cy="461665"/>
+          </a:xfrm>
+          <a:prstGeom prst="rect">
+            <a:avLst/>
+          </a:prstGeom>
+          <a:noFill/>
         </p:spPr>
         <p:txBody>
-          <a:bodyPr rot="0" spcFirstLastPara="0" vertOverflow="overflow" horzOverflow="overflow" vert="horz" wrap="square" lIns="91440" tIns="45720" rIns="91440" bIns="45720" numCol="1" spcCol="0" rtlCol="0" fromWordArt="0" anchor="ctr" anchorCtr="0" forceAA="0" compatLnSpc="1">
-            <a:prstTxWarp prst="textNoShape">
-              <a:avLst/>
-            </a:prstTxWarp>
-            <a:noAutofit/>
+          <a:bodyPr wrap="square" rtlCol="0">
+            <a:spAutoFit/>
           </a:bodyPr>
           <a:lstStyle/>
           <a:p>
-            <a:pPr algn="l"/>
-            <a:endParaRPr lang="ko-KR" altLang="en-US"/>
+            <a:r>
+              <a:rPr lang="en-US" altLang="ko-KR" sz="2400" b="1">
+                <a:solidFill>
+                  <a:srgbClr val="1F2025"/>
+                </a:solidFill>
+                <a:latin typeface="+mj-lt"/>
+                <a:cs typeface="Arial" panose="020B0604020202020204" pitchFamily="34" charset="0"/>
+              </a:rPr>
+              <a:t>MỞ RỘNG NĂNG LỰC MÔ HÌNH</a:t>
+            </a:r>
+            <a:endParaRPr lang="ko-KR" altLang="en-US" sz="2400" b="1" dirty="0">
+              <a:solidFill>
+                <a:srgbClr val="1F2025"/>
+              </a:solidFill>
+              <a:latin typeface="+mj-lt"/>
+              <a:cs typeface="Arial" panose="020B0604020202020204" pitchFamily="34" charset="0"/>
+            </a:endParaRPr>
           </a:p>
         </p:txBody>
       </p:sp>
       <p:sp>
         <p:nvSpPr>
-          <p:cNvPr id="6" name="TextBox 5">
-            <a:extLst>
-              <a:ext uri="{FF2B5EF4-FFF2-40B4-BE49-F238E27FC236}">
-                <a16:creationId xmlns:a16="http://schemas.microsoft.com/office/drawing/2014/main" id="{101A5185-63D0-4A8C-A249-BDD71C42AE54}"/>
+          <p:cNvPr id="3" name="TextBox 2">
+            <a:extLst>
+              <a:ext uri="{FF2B5EF4-FFF2-40B4-BE49-F238E27FC236}">
+                <a16:creationId xmlns:a16="http://schemas.microsoft.com/office/drawing/2014/main" id="{4A5778BD-E06C-4169-AA97-F60816239A15}"/>
               </a:ext>
             </a:extLst>
           </p:cNvPr>
@@ -4789,8 +5406,8 @@
         </p:nvSpPr>
         <p:spPr>
           <a:xfrm>
-            <a:off x="3796796" y="2770087"/>
-            <a:ext cx="4923801" cy="769441"/>
+            <a:off x="920547" y="2233280"/>
+            <a:ext cx="4677820" cy="923330"/>
           </a:xfrm>
           <a:prstGeom prst="rect">
             <a:avLst/>
@@ -4806,39 +5423,172 @@
               <a:defRPr lang="ko-KR"/>
             </a:defPPr>
             <a:lvl1pPr>
-              <a:defRPr sz="4000" b="1">
-                <a:latin typeface="+mj-lt"/>
-                <a:cs typeface="Arial" panose="020B0604020202020204" pitchFamily="34" charset="0"/>
+              <a:defRPr sz="1100">
+                <a:solidFill>
+                  <a:schemeClr val="tx1">
+                    <a:lumMod val="75000"/>
+                    <a:lumOff val="25000"/>
+                  </a:schemeClr>
+                </a:solidFill>
               </a:defRPr>
             </a:lvl1pPr>
           </a:lstStyle>
           <a:p>
-            <a:pPr algn="ctr"/>
-            <a:r>
-              <a:rPr lang="vi-VN" altLang="ko-KR" sz="4400" b="0" dirty="0">
-                <a:solidFill>
-                  <a:schemeClr val="bg1"/>
-                </a:solidFill>
-              </a:rPr>
-              <a:t>XIN CẢM ƠN</a:t>
-            </a:r>
-            <a:r>
-              <a:rPr lang="en-US" altLang="ko-KR" sz="4400" b="0" dirty="0">
-                <a:solidFill>
-                  <a:schemeClr val="bg1"/>
-                </a:solidFill>
-              </a:rPr>
-              <a:t>!</a:t>
-            </a:r>
+            <a:pPr marL="285750" indent="-285750">
+              <a:buFontTx/>
+              <a:buChar char="-"/>
+            </a:pPr>
+            <a:r>
+              <a:rPr lang="en-US" altLang="ko-KR" sz="1800">
+                <a:solidFill>
+                  <a:srgbClr val="1F2025"/>
+                </a:solidFill>
+              </a:rPr>
+              <a:t>Post normalization</a:t>
+            </a:r>
+          </a:p>
+          <a:p>
+            <a:pPr marL="285750" indent="-285750">
+              <a:buFontTx/>
+              <a:buChar char="-"/>
+            </a:pPr>
+            <a:r>
+              <a:rPr lang="en-US" altLang="ko-KR" sz="1800">
+                <a:solidFill>
+                  <a:srgbClr val="1F2025"/>
+                </a:solidFill>
+              </a:rPr>
+              <a:t>Scaled cosine attention</a:t>
+            </a:r>
+          </a:p>
+          <a:p>
+            <a:pPr marL="285750" indent="-285750">
+              <a:buFontTx/>
+              <a:buChar char="-"/>
+            </a:pPr>
+            <a:endParaRPr lang="en-US" altLang="ko-KR" sz="1800" dirty="0">
+              <a:solidFill>
+                <a:srgbClr val="1F2025"/>
+              </a:solidFill>
+            </a:endParaRPr>
           </a:p>
         </p:txBody>
       </p:sp>
       <p:sp>
         <p:nvSpPr>
-          <p:cNvPr id="7" name="TextBox 6">
-            <a:extLst>
-              <a:ext uri="{FF2B5EF4-FFF2-40B4-BE49-F238E27FC236}">
-                <a16:creationId xmlns:a16="http://schemas.microsoft.com/office/drawing/2014/main" id="{B9A99A32-5752-4F46-90C2-1C48D71440C8}"/>
+          <p:cNvPr id="16" name="직사각형 15">
+            <a:extLst>
+              <a:ext uri="{FF2B5EF4-FFF2-40B4-BE49-F238E27FC236}">
+                <a16:creationId xmlns:a16="http://schemas.microsoft.com/office/drawing/2014/main" id="{B73FE535-94A1-4E5D-B190-1D99674EF915}"/>
+              </a:ext>
+            </a:extLst>
+          </p:cNvPr>
+          <p:cNvSpPr/>
+          <p:nvPr/>
+        </p:nvSpPr>
+        <p:spPr>
+          <a:xfrm>
+            <a:off x="0" y="6206532"/>
+            <a:ext cx="12192000" cy="651468"/>
+          </a:xfrm>
+          <a:prstGeom prst="rect">
+            <a:avLst/>
+          </a:prstGeom>
+          <a:solidFill>
+            <a:srgbClr val="1F2025"/>
+          </a:solidFill>
+          <a:ln w="9525" cap="flat">
+            <a:noFill/>
+            <a:prstDash val="solid"/>
+            <a:miter/>
+          </a:ln>
+        </p:spPr>
+        <p:txBody>
+          <a:bodyPr rot="0" spcFirstLastPara="0" vertOverflow="overflow" horzOverflow="overflow" vert="horz" wrap="square" lIns="91440" tIns="45720" rIns="91440" bIns="45720" numCol="1" spcCol="0" rtlCol="0" fromWordArt="0" anchor="ctr" anchorCtr="0" forceAA="0" compatLnSpc="1">
+            <a:prstTxWarp prst="textNoShape">
+              <a:avLst/>
+            </a:prstTxWarp>
+            <a:noAutofit/>
+          </a:bodyPr>
+          <a:lstStyle/>
+          <a:p>
+            <a:pPr algn="l"/>
+            <a:endParaRPr lang="ko-KR" altLang="en-US"/>
+          </a:p>
+        </p:txBody>
+      </p:sp>
+      <p:pic>
+        <p:nvPicPr>
+          <p:cNvPr id="17" name="그래픽 16">
+            <a:extLst>
+              <a:ext uri="{FF2B5EF4-FFF2-40B4-BE49-F238E27FC236}">
+                <a16:creationId xmlns:a16="http://schemas.microsoft.com/office/drawing/2014/main" id="{7A988829-597B-495C-9112-A39D40EF9F77}"/>
+              </a:ext>
+            </a:extLst>
+          </p:cNvPr>
+          <p:cNvPicPr>
+            <a:picLocks noChangeAspect="1"/>
+          </p:cNvPicPr>
+          <p:nvPr/>
+        </p:nvPicPr>
+        <p:blipFill>
+          <a:blip r:embed="rId2">
+            <a:extLst>
+              <a:ext uri="{96DAC541-7B7A-43D3-8B79-37D633B846F1}">
+                <asvg:svgBlip xmlns:asvg="http://schemas.microsoft.com/office/drawing/2016/SVG/main" r:embed="rId3"/>
+              </a:ext>
+            </a:extLst>
+          </a:blip>
+          <a:stretch>
+            <a:fillRect/>
+          </a:stretch>
+        </p:blipFill>
+        <p:spPr>
+          <a:xfrm>
+            <a:off x="11222584" y="6348701"/>
+            <a:ext cx="626516" cy="367130"/>
+          </a:xfrm>
+          <a:prstGeom prst="rect">
+            <a:avLst/>
+          </a:prstGeom>
+        </p:spPr>
+      </p:pic>
+    </p:spTree>
+    <p:extLst>
+      <p:ext uri="{BB962C8B-B14F-4D97-AF65-F5344CB8AC3E}">
+        <p14:creationId xmlns:p14="http://schemas.microsoft.com/office/powerpoint/2010/main" val="3780947865"/>
+      </p:ext>
+    </p:extLst>
+  </p:cSld>
+  <p:clrMapOvr>
+    <a:masterClrMapping/>
+  </p:clrMapOvr>
+</p:sld>
+</file>
+
+<file path=ppt/slides/slide17.xml><?xml version="1.0" encoding="utf-8"?>
+<p:sld xmlns:a="http://schemas.openxmlformats.org/drawingml/2006/main" xmlns:r="http://schemas.openxmlformats.org/officeDocument/2006/relationships" xmlns:p="http://schemas.openxmlformats.org/presentationml/2006/main">
+  <p:cSld>
+    <p:spTree>
+      <p:nvGrpSpPr>
+        <p:cNvPr id="1" name=""/>
+        <p:cNvGrpSpPr/>
+        <p:nvPr/>
+      </p:nvGrpSpPr>
+      <p:grpSpPr>
+        <a:xfrm>
+          <a:off x="0" y="0"/>
+          <a:ext cx="0" cy="0"/>
+          <a:chOff x="0" y="0"/>
+          <a:chExt cx="0" cy="0"/>
+        </a:xfrm>
+      </p:grpSpPr>
+      <p:sp>
+        <p:nvSpPr>
+          <p:cNvPr id="2" name="TextBox 1">
+            <a:extLst>
+              <a:ext uri="{FF2B5EF4-FFF2-40B4-BE49-F238E27FC236}">
+                <a16:creationId xmlns:a16="http://schemas.microsoft.com/office/drawing/2014/main" id="{4ECC80F9-88DA-415C-B69B-55F6C7756629}"/>
               </a:ext>
             </a:extLst>
           </p:cNvPr>
@@ -4847,8 +5597,8 @@
         </p:nvSpPr>
         <p:spPr>
           <a:xfrm>
-            <a:off x="4357586" y="3653377"/>
-            <a:ext cx="3802220" cy="276999"/>
+            <a:off x="578715" y="482981"/>
+            <a:ext cx="5317883" cy="461665"/>
           </a:xfrm>
           <a:prstGeom prst="rect">
             <a:avLst/>
@@ -4861,27 +5611,667 @@
           </a:bodyPr>
           <a:lstStyle/>
           <a:p>
-            <a:pPr algn="ctr"/>
-            <a:r>
-              <a:rPr lang="en-US" altLang="ko-KR" sz="1200" dirty="0">
-                <a:solidFill>
-                  <a:schemeClr val="bg1"/>
-                </a:solidFill>
-              </a:rPr>
-              <a:t>hung.ttkt1@gmail.com</a:t>
-            </a:r>
-            <a:endParaRPr lang="ko-KR" altLang="en-US" sz="1200" dirty="0">
+            <a:r>
+              <a:rPr lang="en-US" altLang="ko-KR" sz="2400" b="1">
+                <a:solidFill>
+                  <a:srgbClr val="1F2025"/>
+                </a:solidFill>
+                <a:latin typeface="+mj-lt"/>
+                <a:cs typeface="Arial" panose="020B0604020202020204" pitchFamily="34" charset="0"/>
+              </a:rPr>
+              <a:t>MỞ RỘNG ĐỘ PHÂN GIẢI</a:t>
+            </a:r>
+            <a:endParaRPr lang="ko-KR" altLang="en-US" sz="2400" b="1" dirty="0">
               <a:solidFill>
-                <a:schemeClr val="bg1"/>
+                <a:srgbClr val="1F2025"/>
+              </a:solidFill>
+              <a:latin typeface="+mj-lt"/>
+              <a:cs typeface="Arial" panose="020B0604020202020204" pitchFamily="34" charset="0"/>
+            </a:endParaRPr>
+          </a:p>
+        </p:txBody>
+      </p:sp>
+      <p:sp>
+        <p:nvSpPr>
+          <p:cNvPr id="3" name="TextBox 2">
+            <a:extLst>
+              <a:ext uri="{FF2B5EF4-FFF2-40B4-BE49-F238E27FC236}">
+                <a16:creationId xmlns:a16="http://schemas.microsoft.com/office/drawing/2014/main" id="{4A5778BD-E06C-4169-AA97-F60816239A15}"/>
+              </a:ext>
+            </a:extLst>
+          </p:cNvPr>
+          <p:cNvSpPr txBox="1"/>
+          <p:nvPr/>
+        </p:nvSpPr>
+        <p:spPr>
+          <a:xfrm>
+            <a:off x="920547" y="2233280"/>
+            <a:ext cx="4677820" cy="923330"/>
+          </a:xfrm>
+          <a:prstGeom prst="rect">
+            <a:avLst/>
+          </a:prstGeom>
+          <a:noFill/>
+        </p:spPr>
+        <p:txBody>
+          <a:bodyPr wrap="square" rtlCol="0">
+            <a:spAutoFit/>
+          </a:bodyPr>
+          <a:lstStyle>
+            <a:defPPr>
+              <a:defRPr lang="ko-KR"/>
+            </a:defPPr>
+            <a:lvl1pPr>
+              <a:defRPr sz="1100">
+                <a:solidFill>
+                  <a:schemeClr val="tx1">
+                    <a:lumMod val="75000"/>
+                    <a:lumOff val="25000"/>
+                  </a:schemeClr>
+                </a:solidFill>
+              </a:defRPr>
+            </a:lvl1pPr>
+          </a:lstStyle>
+          <a:p>
+            <a:pPr marL="285750" indent="-285750">
+              <a:buFontTx/>
+              <a:buChar char="-"/>
+            </a:pPr>
+            <a:r>
+              <a:rPr lang="en-US" altLang="ko-KR" sz="1800">
+                <a:solidFill>
+                  <a:srgbClr val="1F2025"/>
+                </a:solidFill>
+              </a:rPr>
+              <a:t>Continuous relative position bias</a:t>
+            </a:r>
+          </a:p>
+          <a:p>
+            <a:pPr marL="285750" indent="-285750">
+              <a:buFontTx/>
+              <a:buChar char="-"/>
+            </a:pPr>
+            <a:r>
+              <a:rPr lang="en-US" altLang="ko-KR" sz="1800">
+                <a:solidFill>
+                  <a:srgbClr val="1F2025"/>
+                </a:solidFill>
+              </a:rPr>
+              <a:t>Log-spaced coordinates</a:t>
+            </a:r>
+          </a:p>
+          <a:p>
+            <a:pPr marL="285750" indent="-285750">
+              <a:buFontTx/>
+              <a:buChar char="-"/>
+            </a:pPr>
+            <a:endParaRPr lang="en-US" altLang="ko-KR" sz="1800" dirty="0">
+              <a:solidFill>
+                <a:srgbClr val="1F2025"/>
               </a:solidFill>
             </a:endParaRPr>
           </a:p>
         </p:txBody>
       </p:sp>
+      <p:sp>
+        <p:nvSpPr>
+          <p:cNvPr id="16" name="직사각형 15">
+            <a:extLst>
+              <a:ext uri="{FF2B5EF4-FFF2-40B4-BE49-F238E27FC236}">
+                <a16:creationId xmlns:a16="http://schemas.microsoft.com/office/drawing/2014/main" id="{B73FE535-94A1-4E5D-B190-1D99674EF915}"/>
+              </a:ext>
+            </a:extLst>
+          </p:cNvPr>
+          <p:cNvSpPr/>
+          <p:nvPr/>
+        </p:nvSpPr>
+        <p:spPr>
+          <a:xfrm>
+            <a:off x="0" y="6206532"/>
+            <a:ext cx="12192000" cy="651468"/>
+          </a:xfrm>
+          <a:prstGeom prst="rect">
+            <a:avLst/>
+          </a:prstGeom>
+          <a:solidFill>
+            <a:srgbClr val="1F2025"/>
+          </a:solidFill>
+          <a:ln w="9525" cap="flat">
+            <a:noFill/>
+            <a:prstDash val="solid"/>
+            <a:miter/>
+          </a:ln>
+        </p:spPr>
+        <p:txBody>
+          <a:bodyPr rot="0" spcFirstLastPara="0" vertOverflow="overflow" horzOverflow="overflow" vert="horz" wrap="square" lIns="91440" tIns="45720" rIns="91440" bIns="45720" numCol="1" spcCol="0" rtlCol="0" fromWordArt="0" anchor="ctr" anchorCtr="0" forceAA="0" compatLnSpc="1">
+            <a:prstTxWarp prst="textNoShape">
+              <a:avLst/>
+            </a:prstTxWarp>
+            <a:noAutofit/>
+          </a:bodyPr>
+          <a:lstStyle/>
+          <a:p>
+            <a:pPr algn="l"/>
+            <a:endParaRPr lang="ko-KR" altLang="en-US"/>
+          </a:p>
+        </p:txBody>
+      </p:sp>
+      <p:pic>
+        <p:nvPicPr>
+          <p:cNvPr id="17" name="그래픽 16">
+            <a:extLst>
+              <a:ext uri="{FF2B5EF4-FFF2-40B4-BE49-F238E27FC236}">
+                <a16:creationId xmlns:a16="http://schemas.microsoft.com/office/drawing/2014/main" id="{7A988829-597B-495C-9112-A39D40EF9F77}"/>
+              </a:ext>
+            </a:extLst>
+          </p:cNvPr>
+          <p:cNvPicPr>
+            <a:picLocks noChangeAspect="1"/>
+          </p:cNvPicPr>
+          <p:nvPr/>
+        </p:nvPicPr>
+        <p:blipFill>
+          <a:blip r:embed="rId2">
+            <a:extLst>
+              <a:ext uri="{96DAC541-7B7A-43D3-8B79-37D633B846F1}">
+                <asvg:svgBlip xmlns:asvg="http://schemas.microsoft.com/office/drawing/2016/SVG/main" r:embed="rId3"/>
+              </a:ext>
+            </a:extLst>
+          </a:blip>
+          <a:stretch>
+            <a:fillRect/>
+          </a:stretch>
+        </p:blipFill>
+        <p:spPr>
+          <a:xfrm>
+            <a:off x="11222584" y="6348701"/>
+            <a:ext cx="626516" cy="367130"/>
+          </a:xfrm>
+          <a:prstGeom prst="rect">
+            <a:avLst/>
+          </a:prstGeom>
+        </p:spPr>
+      </p:pic>
     </p:spTree>
     <p:extLst>
       <p:ext uri="{BB962C8B-B14F-4D97-AF65-F5344CB8AC3E}">
-        <p14:creationId xmlns:p14="http://schemas.microsoft.com/office/powerpoint/2010/main" val="1907620479"/>
+        <p14:creationId xmlns:p14="http://schemas.microsoft.com/office/powerpoint/2010/main" val="3004168505"/>
+      </p:ext>
+    </p:extLst>
+  </p:cSld>
+  <p:clrMapOvr>
+    <a:masterClrMapping/>
+  </p:clrMapOvr>
+</p:sld>
+</file>
+
+<file path=ppt/slides/slide18.xml><?xml version="1.0" encoding="utf-8"?>
+<p:sld xmlns:a="http://schemas.openxmlformats.org/drawingml/2006/main" xmlns:r="http://schemas.openxmlformats.org/officeDocument/2006/relationships" xmlns:p="http://schemas.openxmlformats.org/presentationml/2006/main">
+  <p:cSld>
+    <p:spTree>
+      <p:nvGrpSpPr>
+        <p:cNvPr id="1" name=""/>
+        <p:cNvGrpSpPr/>
+        <p:nvPr/>
+      </p:nvGrpSpPr>
+      <p:grpSpPr>
+        <a:xfrm>
+          <a:off x="0" y="0"/>
+          <a:ext cx="0" cy="0"/>
+          <a:chOff x="0" y="0"/>
+          <a:chExt cx="0" cy="0"/>
+        </a:xfrm>
+      </p:grpSpPr>
+      <p:sp>
+        <p:nvSpPr>
+          <p:cNvPr id="2" name="TextBox 1">
+            <a:extLst>
+              <a:ext uri="{FF2B5EF4-FFF2-40B4-BE49-F238E27FC236}">
+                <a16:creationId xmlns:a16="http://schemas.microsoft.com/office/drawing/2014/main" id="{4ECC80F9-88DA-415C-B69B-55F6C7756629}"/>
+              </a:ext>
+            </a:extLst>
+          </p:cNvPr>
+          <p:cNvSpPr txBox="1"/>
+          <p:nvPr/>
+        </p:nvSpPr>
+        <p:spPr>
+          <a:xfrm>
+            <a:off x="578715" y="482981"/>
+            <a:ext cx="5317883" cy="461665"/>
+          </a:xfrm>
+          <a:prstGeom prst="rect">
+            <a:avLst/>
+          </a:prstGeom>
+          <a:noFill/>
+        </p:spPr>
+        <p:txBody>
+          <a:bodyPr wrap="square" rtlCol="0">
+            <a:spAutoFit/>
+          </a:bodyPr>
+          <a:lstStyle/>
+          <a:p>
+            <a:r>
+              <a:rPr lang="en-US" altLang="ko-KR" sz="2400" b="1">
+                <a:solidFill>
+                  <a:srgbClr val="1F2025"/>
+                </a:solidFill>
+                <a:cs typeface="Arial" panose="020B0604020202020204" pitchFamily="34" charset="0"/>
+              </a:rPr>
+              <a:t>TIỀN HUẤN LUYỆN TỰ GIÁM SÁT</a:t>
+            </a:r>
+            <a:endParaRPr lang="ko-KR" altLang="en-US" sz="2400" b="1" dirty="0">
+              <a:solidFill>
+                <a:srgbClr val="1F2025"/>
+              </a:solidFill>
+              <a:cs typeface="Arial" panose="020B0604020202020204" pitchFamily="34" charset="0"/>
+            </a:endParaRPr>
+          </a:p>
+        </p:txBody>
+      </p:sp>
+      <p:sp>
+        <p:nvSpPr>
+          <p:cNvPr id="3" name="TextBox 2">
+            <a:extLst>
+              <a:ext uri="{FF2B5EF4-FFF2-40B4-BE49-F238E27FC236}">
+                <a16:creationId xmlns:a16="http://schemas.microsoft.com/office/drawing/2014/main" id="{4A5778BD-E06C-4169-AA97-F60816239A15}"/>
+              </a:ext>
+            </a:extLst>
+          </p:cNvPr>
+          <p:cNvSpPr txBox="1"/>
+          <p:nvPr/>
+        </p:nvSpPr>
+        <p:spPr>
+          <a:xfrm>
+            <a:off x="920547" y="2233280"/>
+            <a:ext cx="4677820" cy="923330"/>
+          </a:xfrm>
+          <a:prstGeom prst="rect">
+            <a:avLst/>
+          </a:prstGeom>
+          <a:noFill/>
+        </p:spPr>
+        <p:txBody>
+          <a:bodyPr wrap="square" rtlCol="0">
+            <a:spAutoFit/>
+          </a:bodyPr>
+          <a:lstStyle>
+            <a:defPPr>
+              <a:defRPr lang="ko-KR"/>
+            </a:defPPr>
+            <a:lvl1pPr>
+              <a:defRPr sz="1100">
+                <a:solidFill>
+                  <a:schemeClr val="tx1">
+                    <a:lumMod val="75000"/>
+                    <a:lumOff val="25000"/>
+                  </a:schemeClr>
+                </a:solidFill>
+              </a:defRPr>
+            </a:lvl1pPr>
+          </a:lstStyle>
+          <a:p>
+            <a:pPr marL="285750" indent="-285750">
+              <a:buFontTx/>
+              <a:buChar char="-"/>
+            </a:pPr>
+            <a:r>
+              <a:rPr lang="en-US" altLang="ko-KR" sz="1800">
+                <a:solidFill>
+                  <a:srgbClr val="1F2025"/>
+                </a:solidFill>
+              </a:rPr>
+              <a:t>Continuous relative position bias</a:t>
+            </a:r>
+          </a:p>
+          <a:p>
+            <a:pPr marL="285750" indent="-285750">
+              <a:buFontTx/>
+              <a:buChar char="-"/>
+            </a:pPr>
+            <a:r>
+              <a:rPr lang="en-US" altLang="ko-KR" sz="1800">
+                <a:solidFill>
+                  <a:srgbClr val="1F2025"/>
+                </a:solidFill>
+              </a:rPr>
+              <a:t>Log-spaced coordinates</a:t>
+            </a:r>
+          </a:p>
+          <a:p>
+            <a:pPr marL="285750" indent="-285750">
+              <a:buFontTx/>
+              <a:buChar char="-"/>
+            </a:pPr>
+            <a:endParaRPr lang="en-US" altLang="ko-KR" sz="1800" dirty="0">
+              <a:solidFill>
+                <a:srgbClr val="1F2025"/>
+              </a:solidFill>
+            </a:endParaRPr>
+          </a:p>
+        </p:txBody>
+      </p:sp>
+      <p:sp>
+        <p:nvSpPr>
+          <p:cNvPr id="16" name="직사각형 15">
+            <a:extLst>
+              <a:ext uri="{FF2B5EF4-FFF2-40B4-BE49-F238E27FC236}">
+                <a16:creationId xmlns:a16="http://schemas.microsoft.com/office/drawing/2014/main" id="{B73FE535-94A1-4E5D-B190-1D99674EF915}"/>
+              </a:ext>
+            </a:extLst>
+          </p:cNvPr>
+          <p:cNvSpPr/>
+          <p:nvPr/>
+        </p:nvSpPr>
+        <p:spPr>
+          <a:xfrm>
+            <a:off x="0" y="6206532"/>
+            <a:ext cx="12192000" cy="651468"/>
+          </a:xfrm>
+          <a:prstGeom prst="rect">
+            <a:avLst/>
+          </a:prstGeom>
+          <a:solidFill>
+            <a:srgbClr val="1F2025"/>
+          </a:solidFill>
+          <a:ln w="9525" cap="flat">
+            <a:noFill/>
+            <a:prstDash val="solid"/>
+            <a:miter/>
+          </a:ln>
+        </p:spPr>
+        <p:txBody>
+          <a:bodyPr rot="0" spcFirstLastPara="0" vertOverflow="overflow" horzOverflow="overflow" vert="horz" wrap="square" lIns="91440" tIns="45720" rIns="91440" bIns="45720" numCol="1" spcCol="0" rtlCol="0" fromWordArt="0" anchor="ctr" anchorCtr="0" forceAA="0" compatLnSpc="1">
+            <a:prstTxWarp prst="textNoShape">
+              <a:avLst/>
+            </a:prstTxWarp>
+            <a:noAutofit/>
+          </a:bodyPr>
+          <a:lstStyle/>
+          <a:p>
+            <a:pPr algn="l"/>
+            <a:endParaRPr lang="ko-KR" altLang="en-US"/>
+          </a:p>
+        </p:txBody>
+      </p:sp>
+      <p:pic>
+        <p:nvPicPr>
+          <p:cNvPr id="17" name="그래픽 16">
+            <a:extLst>
+              <a:ext uri="{FF2B5EF4-FFF2-40B4-BE49-F238E27FC236}">
+                <a16:creationId xmlns:a16="http://schemas.microsoft.com/office/drawing/2014/main" id="{7A988829-597B-495C-9112-A39D40EF9F77}"/>
+              </a:ext>
+            </a:extLst>
+          </p:cNvPr>
+          <p:cNvPicPr>
+            <a:picLocks noChangeAspect="1"/>
+          </p:cNvPicPr>
+          <p:nvPr/>
+        </p:nvPicPr>
+        <p:blipFill>
+          <a:blip r:embed="rId2">
+            <a:extLst>
+              <a:ext uri="{96DAC541-7B7A-43D3-8B79-37D633B846F1}">
+                <asvg:svgBlip xmlns:asvg="http://schemas.microsoft.com/office/drawing/2016/SVG/main" r:embed="rId3"/>
+              </a:ext>
+            </a:extLst>
+          </a:blip>
+          <a:stretch>
+            <a:fillRect/>
+          </a:stretch>
+        </p:blipFill>
+        <p:spPr>
+          <a:xfrm>
+            <a:off x="11222584" y="6348701"/>
+            <a:ext cx="626516" cy="367130"/>
+          </a:xfrm>
+          <a:prstGeom prst="rect">
+            <a:avLst/>
+          </a:prstGeom>
+        </p:spPr>
+      </p:pic>
+    </p:spTree>
+    <p:extLst>
+      <p:ext uri="{BB962C8B-B14F-4D97-AF65-F5344CB8AC3E}">
+        <p14:creationId xmlns:p14="http://schemas.microsoft.com/office/powerpoint/2010/main" val="3832100270"/>
+      </p:ext>
+    </p:extLst>
+  </p:cSld>
+  <p:clrMapOvr>
+    <a:masterClrMapping/>
+  </p:clrMapOvr>
+</p:sld>
+</file>
+
+<file path=ppt/slides/slide19.xml><?xml version="1.0" encoding="utf-8"?>
+<p:sld xmlns:a="http://schemas.openxmlformats.org/drawingml/2006/main" xmlns:r="http://schemas.openxmlformats.org/officeDocument/2006/relationships" xmlns:p="http://schemas.openxmlformats.org/presentationml/2006/main">
+  <p:cSld>
+    <p:spTree>
+      <p:nvGrpSpPr>
+        <p:cNvPr id="1" name=""/>
+        <p:cNvGrpSpPr/>
+        <p:nvPr/>
+      </p:nvGrpSpPr>
+      <p:grpSpPr>
+        <a:xfrm>
+          <a:off x="0" y="0"/>
+          <a:ext cx="0" cy="0"/>
+          <a:chOff x="0" y="0"/>
+          <a:chExt cx="0" cy="0"/>
+        </a:xfrm>
+      </p:grpSpPr>
+      <p:sp>
+        <p:nvSpPr>
+          <p:cNvPr id="2" name="TextBox 1">
+            <a:extLst>
+              <a:ext uri="{FF2B5EF4-FFF2-40B4-BE49-F238E27FC236}">
+                <a16:creationId xmlns:a16="http://schemas.microsoft.com/office/drawing/2014/main" id="{4ECC80F9-88DA-415C-B69B-55F6C7756629}"/>
+              </a:ext>
+            </a:extLst>
+          </p:cNvPr>
+          <p:cNvSpPr txBox="1"/>
+          <p:nvPr/>
+        </p:nvSpPr>
+        <p:spPr>
+          <a:xfrm>
+            <a:off x="578715" y="482981"/>
+            <a:ext cx="5317883" cy="461665"/>
+          </a:xfrm>
+          <a:prstGeom prst="rect">
+            <a:avLst/>
+          </a:prstGeom>
+          <a:noFill/>
+        </p:spPr>
+        <p:txBody>
+          <a:bodyPr wrap="square" rtlCol="0">
+            <a:spAutoFit/>
+          </a:bodyPr>
+          <a:lstStyle/>
+          <a:p>
+            <a:r>
+              <a:rPr lang="en-US" altLang="ko-KR" sz="2400" b="1">
+                <a:solidFill>
+                  <a:srgbClr val="1F2025"/>
+                </a:solidFill>
+                <a:latin typeface="+mj-lt"/>
+                <a:cs typeface="Arial" panose="020B0604020202020204" pitchFamily="34" charset="0"/>
+              </a:rPr>
+              <a:t>CÁC KỸ THUẬT TIẾT KIỆM BỘ NHỚ GPU</a:t>
+            </a:r>
+            <a:endParaRPr lang="ko-KR" altLang="en-US" sz="2400" b="1" dirty="0">
+              <a:solidFill>
+                <a:srgbClr val="1F2025"/>
+              </a:solidFill>
+              <a:latin typeface="+mj-lt"/>
+              <a:cs typeface="Arial" panose="020B0604020202020204" pitchFamily="34" charset="0"/>
+            </a:endParaRPr>
+          </a:p>
+        </p:txBody>
+      </p:sp>
+      <p:sp>
+        <p:nvSpPr>
+          <p:cNvPr id="3" name="TextBox 2">
+            <a:extLst>
+              <a:ext uri="{FF2B5EF4-FFF2-40B4-BE49-F238E27FC236}">
+                <a16:creationId xmlns:a16="http://schemas.microsoft.com/office/drawing/2014/main" id="{4A5778BD-E06C-4169-AA97-F60816239A15}"/>
+              </a:ext>
+            </a:extLst>
+          </p:cNvPr>
+          <p:cNvSpPr txBox="1"/>
+          <p:nvPr/>
+        </p:nvSpPr>
+        <p:spPr>
+          <a:xfrm>
+            <a:off x="920547" y="2233280"/>
+            <a:ext cx="4677820" cy="923330"/>
+          </a:xfrm>
+          <a:prstGeom prst="rect">
+            <a:avLst/>
+          </a:prstGeom>
+          <a:noFill/>
+        </p:spPr>
+        <p:txBody>
+          <a:bodyPr wrap="square" rtlCol="0">
+            <a:spAutoFit/>
+          </a:bodyPr>
+          <a:lstStyle>
+            <a:defPPr>
+              <a:defRPr lang="ko-KR"/>
+            </a:defPPr>
+            <a:lvl1pPr>
+              <a:defRPr sz="1100">
+                <a:solidFill>
+                  <a:schemeClr val="tx1">
+                    <a:lumMod val="75000"/>
+                    <a:lumOff val="25000"/>
+                  </a:schemeClr>
+                </a:solidFill>
+              </a:defRPr>
+            </a:lvl1pPr>
+          </a:lstStyle>
+          <a:p>
+            <a:pPr marL="285750" indent="-285750">
+              <a:buFontTx/>
+              <a:buChar char="-"/>
+            </a:pPr>
+            <a:r>
+              <a:rPr lang="en-US" altLang="ko-KR" sz="1800">
+                <a:solidFill>
+                  <a:srgbClr val="1F2025"/>
+                </a:solidFill>
+              </a:rPr>
+              <a:t>Continuous relative position bias</a:t>
+            </a:r>
+          </a:p>
+          <a:p>
+            <a:pPr marL="285750" indent="-285750">
+              <a:buFontTx/>
+              <a:buChar char="-"/>
+            </a:pPr>
+            <a:r>
+              <a:rPr lang="en-US" altLang="ko-KR" sz="1800">
+                <a:solidFill>
+                  <a:srgbClr val="1F2025"/>
+                </a:solidFill>
+              </a:rPr>
+              <a:t>Log-spaced coordinates</a:t>
+            </a:r>
+          </a:p>
+          <a:p>
+            <a:pPr marL="285750" indent="-285750">
+              <a:buFontTx/>
+              <a:buChar char="-"/>
+            </a:pPr>
+            <a:endParaRPr lang="en-US" altLang="ko-KR" sz="1800" dirty="0">
+              <a:solidFill>
+                <a:srgbClr val="1F2025"/>
+              </a:solidFill>
+            </a:endParaRPr>
+          </a:p>
+        </p:txBody>
+      </p:sp>
+      <p:sp>
+        <p:nvSpPr>
+          <p:cNvPr id="16" name="직사각형 15">
+            <a:extLst>
+              <a:ext uri="{FF2B5EF4-FFF2-40B4-BE49-F238E27FC236}">
+                <a16:creationId xmlns:a16="http://schemas.microsoft.com/office/drawing/2014/main" id="{B73FE535-94A1-4E5D-B190-1D99674EF915}"/>
+              </a:ext>
+            </a:extLst>
+          </p:cNvPr>
+          <p:cNvSpPr/>
+          <p:nvPr/>
+        </p:nvSpPr>
+        <p:spPr>
+          <a:xfrm>
+            <a:off x="0" y="6206532"/>
+            <a:ext cx="12192000" cy="651468"/>
+          </a:xfrm>
+          <a:prstGeom prst="rect">
+            <a:avLst/>
+          </a:prstGeom>
+          <a:solidFill>
+            <a:srgbClr val="1F2025"/>
+          </a:solidFill>
+          <a:ln w="9525" cap="flat">
+            <a:noFill/>
+            <a:prstDash val="solid"/>
+            <a:miter/>
+          </a:ln>
+        </p:spPr>
+        <p:txBody>
+          <a:bodyPr rot="0" spcFirstLastPara="0" vertOverflow="overflow" horzOverflow="overflow" vert="horz" wrap="square" lIns="91440" tIns="45720" rIns="91440" bIns="45720" numCol="1" spcCol="0" rtlCol="0" fromWordArt="0" anchor="ctr" anchorCtr="0" forceAA="0" compatLnSpc="1">
+            <a:prstTxWarp prst="textNoShape">
+              <a:avLst/>
+            </a:prstTxWarp>
+            <a:noAutofit/>
+          </a:bodyPr>
+          <a:lstStyle/>
+          <a:p>
+            <a:pPr algn="l"/>
+            <a:endParaRPr lang="ko-KR" altLang="en-US"/>
+          </a:p>
+        </p:txBody>
+      </p:sp>
+      <p:pic>
+        <p:nvPicPr>
+          <p:cNvPr id="17" name="그래픽 16">
+            <a:extLst>
+              <a:ext uri="{FF2B5EF4-FFF2-40B4-BE49-F238E27FC236}">
+                <a16:creationId xmlns:a16="http://schemas.microsoft.com/office/drawing/2014/main" id="{7A988829-597B-495C-9112-A39D40EF9F77}"/>
+              </a:ext>
+            </a:extLst>
+          </p:cNvPr>
+          <p:cNvPicPr>
+            <a:picLocks noChangeAspect="1"/>
+          </p:cNvPicPr>
+          <p:nvPr/>
+        </p:nvPicPr>
+        <p:blipFill>
+          <a:blip r:embed="rId2">
+            <a:extLst>
+              <a:ext uri="{96DAC541-7B7A-43D3-8B79-37D633B846F1}">
+                <asvg:svgBlip xmlns:asvg="http://schemas.microsoft.com/office/drawing/2016/SVG/main" r:embed="rId3"/>
+              </a:ext>
+            </a:extLst>
+          </a:blip>
+          <a:stretch>
+            <a:fillRect/>
+          </a:stretch>
+        </p:blipFill>
+        <p:spPr>
+          <a:xfrm>
+            <a:off x="11222584" y="6348701"/>
+            <a:ext cx="626516" cy="367130"/>
+          </a:xfrm>
+          <a:prstGeom prst="rect">
+            <a:avLst/>
+          </a:prstGeom>
+        </p:spPr>
+      </p:pic>
+    </p:spTree>
+    <p:extLst>
+      <p:ext uri="{BB962C8B-B14F-4D97-AF65-F5344CB8AC3E}">
+        <p14:creationId xmlns:p14="http://schemas.microsoft.com/office/powerpoint/2010/main" val="2627091"/>
       </p:ext>
     </p:extLst>
   </p:cSld>
@@ -5336,6 +6726,452 @@
     <p:extLst>
       <p:ext uri="{BB962C8B-B14F-4D97-AF65-F5344CB8AC3E}">
         <p14:creationId xmlns:p14="http://schemas.microsoft.com/office/powerpoint/2010/main" val="1309280292"/>
+      </p:ext>
+    </p:extLst>
+  </p:cSld>
+  <p:clrMapOvr>
+    <a:masterClrMapping/>
+  </p:clrMapOvr>
+</p:sld>
+</file>
+
+<file path=ppt/slides/slide20.xml><?xml version="1.0" encoding="utf-8"?>
+<p:sld xmlns:a="http://schemas.openxmlformats.org/drawingml/2006/main" xmlns:r="http://schemas.openxmlformats.org/officeDocument/2006/relationships" xmlns:p="http://schemas.openxmlformats.org/presentationml/2006/main">
+  <p:cSld>
+    <p:spTree>
+      <p:nvGrpSpPr>
+        <p:cNvPr id="1" name=""/>
+        <p:cNvGrpSpPr/>
+        <p:nvPr/>
+      </p:nvGrpSpPr>
+      <p:grpSpPr>
+        <a:xfrm>
+          <a:off x="0" y="0"/>
+          <a:ext cx="0" cy="0"/>
+          <a:chOff x="0" y="0"/>
+          <a:chExt cx="0" cy="0"/>
+        </a:xfrm>
+      </p:grpSpPr>
+      <p:sp>
+        <p:nvSpPr>
+          <p:cNvPr id="2" name="TextBox 1">
+            <a:extLst>
+              <a:ext uri="{FF2B5EF4-FFF2-40B4-BE49-F238E27FC236}">
+                <a16:creationId xmlns:a16="http://schemas.microsoft.com/office/drawing/2014/main" id="{D142F346-FC6A-493B-995E-DB2FC357CBE3}"/>
+              </a:ext>
+            </a:extLst>
+          </p:cNvPr>
+          <p:cNvSpPr txBox="1"/>
+          <p:nvPr/>
+        </p:nvSpPr>
+        <p:spPr>
+          <a:xfrm>
+            <a:off x="3708400" y="2759168"/>
+            <a:ext cx="4775200" cy="1200329"/>
+          </a:xfrm>
+          <a:prstGeom prst="rect">
+            <a:avLst/>
+          </a:prstGeom>
+          <a:noFill/>
+        </p:spPr>
+        <p:txBody>
+          <a:bodyPr wrap="square" rtlCol="0">
+            <a:spAutoFit/>
+          </a:bodyPr>
+          <a:lstStyle/>
+          <a:p>
+            <a:pPr algn="ctr"/>
+            <a:r>
+              <a:rPr lang="en-US" altLang="ko-KR" sz="3600" b="1">
+                <a:solidFill>
+                  <a:srgbClr val="1F2025"/>
+                </a:solidFill>
+                <a:latin typeface="+mj-lt"/>
+                <a:cs typeface="Arial" panose="020B0604020202020204" pitchFamily="34" charset="0"/>
+              </a:rPr>
+              <a:t>V</a:t>
+            </a:r>
+            <a:r>
+              <a:rPr lang="vi-VN" altLang="ko-KR" sz="3600" b="1">
+                <a:solidFill>
+                  <a:srgbClr val="1F2025"/>
+                </a:solidFill>
+                <a:latin typeface="+mj-lt"/>
+                <a:cs typeface="Arial" panose="020B0604020202020204" pitchFamily="34" charset="0"/>
+              </a:rPr>
+              <a:t>. </a:t>
+            </a:r>
+            <a:r>
+              <a:rPr lang="en-US" altLang="ko-KR" sz="3600" b="1">
+                <a:solidFill>
+                  <a:srgbClr val="1F2025"/>
+                </a:solidFill>
+                <a:latin typeface="+mj-lt"/>
+                <a:cs typeface="Arial" panose="020B0604020202020204" pitchFamily="34" charset="0"/>
+              </a:rPr>
+              <a:t>MỘT SỐ KẾT QUẢ ĐÁNH GIÁ</a:t>
+            </a:r>
+            <a:endParaRPr lang="ko-KR" altLang="en-US" sz="3600" b="1" dirty="0">
+              <a:solidFill>
+                <a:srgbClr val="1F2025"/>
+              </a:solidFill>
+              <a:latin typeface="+mj-lt"/>
+              <a:cs typeface="Arial" panose="020B0604020202020204" pitchFamily="34" charset="0"/>
+            </a:endParaRPr>
+          </a:p>
+        </p:txBody>
+      </p:sp>
+      <p:pic>
+        <p:nvPicPr>
+          <p:cNvPr id="7" name="그래픽 6">
+            <a:extLst>
+              <a:ext uri="{FF2B5EF4-FFF2-40B4-BE49-F238E27FC236}">
+                <a16:creationId xmlns:a16="http://schemas.microsoft.com/office/drawing/2014/main" id="{174595B1-92CE-44ED-97FE-F6A897FE48EF}"/>
+              </a:ext>
+            </a:extLst>
+          </p:cNvPr>
+          <p:cNvPicPr>
+            <a:picLocks noChangeAspect="1"/>
+          </p:cNvPicPr>
+          <p:nvPr/>
+        </p:nvPicPr>
+        <p:blipFill>
+          <a:blip r:embed="rId2">
+            <a:extLst>
+              <a:ext uri="{96DAC541-7B7A-43D3-8B79-37D633B846F1}">
+                <asvg:svgBlip xmlns:asvg="http://schemas.microsoft.com/office/drawing/2016/SVG/main" r:embed="rId3"/>
+              </a:ext>
+            </a:extLst>
+          </a:blip>
+          <a:stretch>
+            <a:fillRect/>
+          </a:stretch>
+        </p:blipFill>
+        <p:spPr>
+          <a:xfrm>
+            <a:off x="272402" y="217015"/>
+            <a:ext cx="834391" cy="488942"/>
+          </a:xfrm>
+          <a:prstGeom prst="rect">
+            <a:avLst/>
+          </a:prstGeom>
+        </p:spPr>
+      </p:pic>
+    </p:spTree>
+    <p:extLst>
+      <p:ext uri="{BB962C8B-B14F-4D97-AF65-F5344CB8AC3E}">
+        <p14:creationId xmlns:p14="http://schemas.microsoft.com/office/powerpoint/2010/main" val="2539731867"/>
+      </p:ext>
+    </p:extLst>
+  </p:cSld>
+  <p:clrMapOvr>
+    <a:masterClrMapping/>
+  </p:clrMapOvr>
+</p:sld>
+</file>
+
+<file path=ppt/slides/slide21.xml><?xml version="1.0" encoding="utf-8"?>
+<p:sld xmlns:a="http://schemas.openxmlformats.org/drawingml/2006/main" xmlns:r="http://schemas.openxmlformats.org/officeDocument/2006/relationships" xmlns:p="http://schemas.openxmlformats.org/presentationml/2006/main">
+  <p:cSld>
+    <p:spTree>
+      <p:nvGrpSpPr>
+        <p:cNvPr id="1" name=""/>
+        <p:cNvGrpSpPr/>
+        <p:nvPr/>
+      </p:nvGrpSpPr>
+      <p:grpSpPr>
+        <a:xfrm>
+          <a:off x="0" y="0"/>
+          <a:ext cx="0" cy="0"/>
+          <a:chOff x="0" y="0"/>
+          <a:chExt cx="0" cy="0"/>
+        </a:xfrm>
+      </p:grpSpPr>
+      <p:sp>
+        <p:nvSpPr>
+          <p:cNvPr id="2" name="TextBox 1">
+            <a:extLst>
+              <a:ext uri="{FF2B5EF4-FFF2-40B4-BE49-F238E27FC236}">
+                <a16:creationId xmlns:a16="http://schemas.microsoft.com/office/drawing/2014/main" id="{D142F346-FC6A-493B-995E-DB2FC357CBE3}"/>
+              </a:ext>
+            </a:extLst>
+          </p:cNvPr>
+          <p:cNvSpPr txBox="1"/>
+          <p:nvPr/>
+        </p:nvSpPr>
+        <p:spPr>
+          <a:xfrm>
+            <a:off x="3708400" y="2759168"/>
+            <a:ext cx="4775200" cy="646331"/>
+          </a:xfrm>
+          <a:prstGeom prst="rect">
+            <a:avLst/>
+          </a:prstGeom>
+          <a:noFill/>
+        </p:spPr>
+        <p:txBody>
+          <a:bodyPr wrap="square" rtlCol="0">
+            <a:spAutoFit/>
+          </a:bodyPr>
+          <a:lstStyle/>
+          <a:p>
+            <a:pPr algn="ctr"/>
+            <a:r>
+              <a:rPr lang="en-US" altLang="ko-KR" sz="3600" b="1">
+                <a:solidFill>
+                  <a:srgbClr val="1F2025"/>
+                </a:solidFill>
+                <a:latin typeface="+mj-lt"/>
+                <a:cs typeface="Arial" panose="020B0604020202020204" pitchFamily="34" charset="0"/>
+              </a:rPr>
+              <a:t>VI</a:t>
+            </a:r>
+            <a:r>
+              <a:rPr lang="vi-VN" altLang="ko-KR" sz="3600" b="1">
+                <a:solidFill>
+                  <a:srgbClr val="1F2025"/>
+                </a:solidFill>
+                <a:latin typeface="+mj-lt"/>
+                <a:cs typeface="Arial" panose="020B0604020202020204" pitchFamily="34" charset="0"/>
+              </a:rPr>
+              <a:t>. </a:t>
+            </a:r>
+            <a:r>
+              <a:rPr lang="en-US" altLang="ko-KR" sz="3600" b="1">
+                <a:solidFill>
+                  <a:srgbClr val="1F2025"/>
+                </a:solidFill>
+                <a:latin typeface="+mj-lt"/>
+                <a:cs typeface="Arial" panose="020B0604020202020204" pitchFamily="34" charset="0"/>
+              </a:rPr>
+              <a:t>KẾT LUẬN</a:t>
+            </a:r>
+            <a:endParaRPr lang="ko-KR" altLang="en-US" sz="3600" b="1" dirty="0">
+              <a:solidFill>
+                <a:srgbClr val="1F2025"/>
+              </a:solidFill>
+              <a:latin typeface="+mj-lt"/>
+              <a:cs typeface="Arial" panose="020B0604020202020204" pitchFamily="34" charset="0"/>
+            </a:endParaRPr>
+          </a:p>
+        </p:txBody>
+      </p:sp>
+      <p:pic>
+        <p:nvPicPr>
+          <p:cNvPr id="7" name="그래픽 6">
+            <a:extLst>
+              <a:ext uri="{FF2B5EF4-FFF2-40B4-BE49-F238E27FC236}">
+                <a16:creationId xmlns:a16="http://schemas.microsoft.com/office/drawing/2014/main" id="{174595B1-92CE-44ED-97FE-F6A897FE48EF}"/>
+              </a:ext>
+            </a:extLst>
+          </p:cNvPr>
+          <p:cNvPicPr>
+            <a:picLocks noChangeAspect="1"/>
+          </p:cNvPicPr>
+          <p:nvPr/>
+        </p:nvPicPr>
+        <p:blipFill>
+          <a:blip r:embed="rId2">
+            <a:extLst>
+              <a:ext uri="{96DAC541-7B7A-43D3-8B79-37D633B846F1}">
+                <asvg:svgBlip xmlns:asvg="http://schemas.microsoft.com/office/drawing/2016/SVG/main" r:embed="rId3"/>
+              </a:ext>
+            </a:extLst>
+          </a:blip>
+          <a:stretch>
+            <a:fillRect/>
+          </a:stretch>
+        </p:blipFill>
+        <p:spPr>
+          <a:xfrm>
+            <a:off x="272402" y="217015"/>
+            <a:ext cx="834391" cy="488942"/>
+          </a:xfrm>
+          <a:prstGeom prst="rect">
+            <a:avLst/>
+          </a:prstGeom>
+        </p:spPr>
+      </p:pic>
+    </p:spTree>
+    <p:extLst>
+      <p:ext uri="{BB962C8B-B14F-4D97-AF65-F5344CB8AC3E}">
+        <p14:creationId xmlns:p14="http://schemas.microsoft.com/office/powerpoint/2010/main" val="2705175859"/>
+      </p:ext>
+    </p:extLst>
+  </p:cSld>
+  <p:clrMapOvr>
+    <a:masterClrMapping/>
+  </p:clrMapOvr>
+</p:sld>
+</file>
+
+<file path=ppt/slides/slide22.xml><?xml version="1.0" encoding="utf-8"?>
+<p:sld xmlns:a="http://schemas.openxmlformats.org/drawingml/2006/main" xmlns:r="http://schemas.openxmlformats.org/officeDocument/2006/relationships" xmlns:p="http://schemas.openxmlformats.org/presentationml/2006/main" showMasterSp="0">
+  <p:cSld>
+    <p:spTree>
+      <p:nvGrpSpPr>
+        <p:cNvPr id="1" name=""/>
+        <p:cNvGrpSpPr/>
+        <p:nvPr/>
+      </p:nvGrpSpPr>
+      <p:grpSpPr>
+        <a:xfrm>
+          <a:off x="0" y="0"/>
+          <a:ext cx="0" cy="0"/>
+          <a:chOff x="0" y="0"/>
+          <a:chExt cx="0" cy="0"/>
+        </a:xfrm>
+      </p:grpSpPr>
+      <p:sp>
+        <p:nvSpPr>
+          <p:cNvPr id="4" name="직사각형 15">
+            <a:extLst>
+              <a:ext uri="{FF2B5EF4-FFF2-40B4-BE49-F238E27FC236}">
+                <a16:creationId xmlns:a16="http://schemas.microsoft.com/office/drawing/2014/main" id="{B73FE535-94A1-4E5D-B190-1D99674EF915}"/>
+              </a:ext>
+            </a:extLst>
+          </p:cNvPr>
+          <p:cNvSpPr/>
+          <p:nvPr/>
+        </p:nvSpPr>
+        <p:spPr>
+          <a:xfrm>
+            <a:off x="0" y="0"/>
+            <a:ext cx="12192000" cy="6858000"/>
+          </a:xfrm>
+          <a:prstGeom prst="rect">
+            <a:avLst/>
+          </a:prstGeom>
+          <a:solidFill>
+            <a:srgbClr val="1F2025"/>
+          </a:solidFill>
+          <a:ln w="9525" cap="flat">
+            <a:noFill/>
+            <a:prstDash val="solid"/>
+            <a:miter/>
+          </a:ln>
+        </p:spPr>
+        <p:txBody>
+          <a:bodyPr rot="0" spcFirstLastPara="0" vertOverflow="overflow" horzOverflow="overflow" vert="horz" wrap="square" lIns="91440" tIns="45720" rIns="91440" bIns="45720" numCol="1" spcCol="0" rtlCol="0" fromWordArt="0" anchor="ctr" anchorCtr="0" forceAA="0" compatLnSpc="1">
+            <a:prstTxWarp prst="textNoShape">
+              <a:avLst/>
+            </a:prstTxWarp>
+            <a:noAutofit/>
+          </a:bodyPr>
+          <a:lstStyle/>
+          <a:p>
+            <a:pPr algn="l"/>
+            <a:endParaRPr lang="ko-KR" altLang="en-US"/>
+          </a:p>
+        </p:txBody>
+      </p:sp>
+      <p:sp>
+        <p:nvSpPr>
+          <p:cNvPr id="6" name="TextBox 5">
+            <a:extLst>
+              <a:ext uri="{FF2B5EF4-FFF2-40B4-BE49-F238E27FC236}">
+                <a16:creationId xmlns:a16="http://schemas.microsoft.com/office/drawing/2014/main" id="{101A5185-63D0-4A8C-A249-BDD71C42AE54}"/>
+              </a:ext>
+            </a:extLst>
+          </p:cNvPr>
+          <p:cNvSpPr txBox="1"/>
+          <p:nvPr/>
+        </p:nvSpPr>
+        <p:spPr>
+          <a:xfrm>
+            <a:off x="3796796" y="2770087"/>
+            <a:ext cx="4923801" cy="769441"/>
+          </a:xfrm>
+          <a:prstGeom prst="rect">
+            <a:avLst/>
+          </a:prstGeom>
+          <a:noFill/>
+        </p:spPr>
+        <p:txBody>
+          <a:bodyPr wrap="square" rtlCol="0">
+            <a:spAutoFit/>
+          </a:bodyPr>
+          <a:lstStyle>
+            <a:defPPr>
+              <a:defRPr lang="ko-KR"/>
+            </a:defPPr>
+            <a:lvl1pPr>
+              <a:defRPr sz="4000" b="1">
+                <a:latin typeface="+mj-lt"/>
+                <a:cs typeface="Arial" panose="020B0604020202020204" pitchFamily="34" charset="0"/>
+              </a:defRPr>
+            </a:lvl1pPr>
+          </a:lstStyle>
+          <a:p>
+            <a:pPr algn="ctr"/>
+            <a:r>
+              <a:rPr lang="vi-VN" altLang="ko-KR" sz="4400" b="0" dirty="0">
+                <a:solidFill>
+                  <a:schemeClr val="bg1"/>
+                </a:solidFill>
+              </a:rPr>
+              <a:t>XIN CẢM ƠN</a:t>
+            </a:r>
+            <a:r>
+              <a:rPr lang="en-US" altLang="ko-KR" sz="4400" b="0" dirty="0">
+                <a:solidFill>
+                  <a:schemeClr val="bg1"/>
+                </a:solidFill>
+              </a:rPr>
+              <a:t>!</a:t>
+            </a:r>
+          </a:p>
+        </p:txBody>
+      </p:sp>
+      <p:sp>
+        <p:nvSpPr>
+          <p:cNvPr id="7" name="TextBox 6">
+            <a:extLst>
+              <a:ext uri="{FF2B5EF4-FFF2-40B4-BE49-F238E27FC236}">
+                <a16:creationId xmlns:a16="http://schemas.microsoft.com/office/drawing/2014/main" id="{B9A99A32-5752-4F46-90C2-1C48D71440C8}"/>
+              </a:ext>
+            </a:extLst>
+          </p:cNvPr>
+          <p:cNvSpPr txBox="1"/>
+          <p:nvPr/>
+        </p:nvSpPr>
+        <p:spPr>
+          <a:xfrm>
+            <a:off x="4357586" y="3653377"/>
+            <a:ext cx="3802220" cy="276999"/>
+          </a:xfrm>
+          <a:prstGeom prst="rect">
+            <a:avLst/>
+          </a:prstGeom>
+          <a:noFill/>
+        </p:spPr>
+        <p:txBody>
+          <a:bodyPr wrap="square" rtlCol="0">
+            <a:spAutoFit/>
+          </a:bodyPr>
+          <a:lstStyle/>
+          <a:p>
+            <a:pPr algn="ctr"/>
+            <a:r>
+              <a:rPr lang="en-US" altLang="ko-KR" sz="1200" dirty="0">
+                <a:solidFill>
+                  <a:schemeClr val="bg1"/>
+                </a:solidFill>
+              </a:rPr>
+              <a:t>hung.ttkt1@gmail.com</a:t>
+            </a:r>
+            <a:endParaRPr lang="ko-KR" altLang="en-US" sz="1200" dirty="0">
+              <a:solidFill>
+                <a:schemeClr val="bg1"/>
+              </a:solidFill>
+            </a:endParaRPr>
+          </a:p>
+        </p:txBody>
+      </p:sp>
+    </p:spTree>
+    <p:extLst>
+      <p:ext uri="{BB962C8B-B14F-4D97-AF65-F5344CB8AC3E}">
+        <p14:creationId xmlns:p14="http://schemas.microsoft.com/office/powerpoint/2010/main" val="1907620479"/>
       </p:ext>
     </p:extLst>
   </p:cSld>
@@ -5621,16 +7457,16 @@
           <a:lstStyle/>
           <a:p>
             <a:r>
-              <a:rPr lang="en-US" altLang="ko-KR" sz="2400">
+              <a:rPr lang="en-US" altLang="ko-KR" sz="2400" b="1">
                 <a:solidFill>
                   <a:srgbClr val="1F2025"/>
                 </a:solidFill>
                 <a:latin typeface="+mj-lt"/>
                 <a:cs typeface="Arial" panose="020B0604020202020204" pitchFamily="34" charset="0"/>
               </a:rPr>
-              <a:t>CÁC CÔNG TRÌNH NỀN MÓNG</a:t>
-            </a:r>
-            <a:endParaRPr lang="ko-KR" altLang="en-US" sz="2400" dirty="0">
+              <a:t>MỘT SỐ CÔNG TRÌNH NỀN MÓNG</a:t>
+            </a:r>
+            <a:endParaRPr lang="ko-KR" altLang="en-US" sz="2400" b="1" dirty="0">
               <a:solidFill>
                 <a:srgbClr val="1F2025"/>
               </a:solidFill>
@@ -5733,7 +7569,7 @@
         </p:nvSpPr>
         <p:spPr>
           <a:xfrm>
-            <a:off x="2432182" y="1940766"/>
+            <a:off x="1154934" y="1940766"/>
             <a:ext cx="1726161" cy="863081"/>
           </a:xfrm>
           <a:prstGeom prst="rect">
@@ -5786,8 +7622,8 @@
         </p:nvSpPr>
         <p:spPr>
           <a:xfrm>
-            <a:off x="5290457" y="2556586"/>
-            <a:ext cx="1965649" cy="863081"/>
+            <a:off x="3790829" y="2556584"/>
+            <a:ext cx="2099388" cy="863081"/>
           </a:xfrm>
           <a:prstGeom prst="rect">
             <a:avLst/>
@@ -5839,8 +7675,8 @@
         </p:nvSpPr>
         <p:spPr>
           <a:xfrm>
-            <a:off x="8077200" y="2565919"/>
-            <a:ext cx="1850571" cy="863081"/>
+            <a:off x="6573335" y="2565919"/>
+            <a:ext cx="1946909" cy="863081"/>
           </a:xfrm>
           <a:prstGeom prst="rect">
             <a:avLst/>
@@ -5892,7 +7728,7 @@
         </p:nvSpPr>
         <p:spPr>
           <a:xfrm>
-            <a:off x="2432181" y="3622613"/>
+            <a:off x="1154933" y="3622613"/>
             <a:ext cx="1726161" cy="863081"/>
           </a:xfrm>
           <a:prstGeom prst="rect">
@@ -5941,6 +7777,7 @@
             </a:extLst>
           </p:cNvPr>
           <p:cNvCxnSpPr>
+            <a:cxnSpLocks/>
             <a:stCxn id="6" idx="3"/>
             <a:endCxn id="7" idx="1"/>
           </p:cNvCxnSpPr>
@@ -5948,8 +7785,8 @@
         </p:nvCxnSpPr>
         <p:spPr>
           <a:xfrm>
-            <a:off x="4158343" y="2372307"/>
-            <a:ext cx="1132114" cy="615820"/>
+            <a:off x="2881095" y="2372307"/>
+            <a:ext cx="909734" cy="615818"/>
           </a:xfrm>
           <a:prstGeom prst="straightConnector1">
             <a:avLst/>
@@ -5983,6 +7820,7 @@
             </a:extLst>
           </p:cNvPr>
           <p:cNvCxnSpPr>
+            <a:cxnSpLocks/>
             <a:stCxn id="9" idx="3"/>
             <a:endCxn id="7" idx="1"/>
           </p:cNvCxnSpPr>
@@ -5990,8 +7828,8 @@
         </p:nvCxnSpPr>
         <p:spPr>
           <a:xfrm flipV="1">
-            <a:off x="4158342" y="2988127"/>
-            <a:ext cx="1132115" cy="1066027"/>
+            <a:off x="2881094" y="2988125"/>
+            <a:ext cx="909735" cy="1066029"/>
           </a:xfrm>
           <a:prstGeom prst="straightConnector1">
             <a:avLst/>
@@ -6033,8 +7871,104 @@
         </p:nvCxnSpPr>
         <p:spPr>
           <a:xfrm>
-            <a:off x="7256106" y="2988127"/>
-            <a:ext cx="821094" cy="9333"/>
+            <a:off x="5890217" y="2988125"/>
+            <a:ext cx="683118" cy="9335"/>
+          </a:xfrm>
+          <a:prstGeom prst="straightConnector1">
+            <a:avLst/>
+          </a:prstGeom>
+          <a:ln>
+            <a:tailEnd type="triangle"/>
+          </a:ln>
+        </p:spPr>
+        <p:style>
+          <a:lnRef idx="1">
+            <a:schemeClr val="dk1"/>
+          </a:lnRef>
+          <a:fillRef idx="0">
+            <a:schemeClr val="dk1"/>
+          </a:fillRef>
+          <a:effectRef idx="0">
+            <a:schemeClr val="dk1"/>
+          </a:effectRef>
+          <a:fontRef idx="minor">
+            <a:schemeClr val="tx1"/>
+          </a:fontRef>
+        </p:style>
+      </p:cxnSp>
+      <p:sp>
+        <p:nvSpPr>
+          <p:cNvPr id="18" name="Rectangle 17">
+            <a:extLst>
+              <a:ext uri="{FF2B5EF4-FFF2-40B4-BE49-F238E27FC236}">
+                <a16:creationId xmlns:a16="http://schemas.microsoft.com/office/drawing/2014/main" id="{B8532EAD-AF8F-4A13-800B-4F2932CAF3DE}"/>
+              </a:ext>
+            </a:extLst>
+          </p:cNvPr>
+          <p:cNvSpPr/>
+          <p:nvPr/>
+        </p:nvSpPr>
+        <p:spPr>
+          <a:xfrm>
+            <a:off x="9275675" y="2556584"/>
+            <a:ext cx="1946909" cy="863081"/>
+          </a:xfrm>
+          <a:prstGeom prst="rect">
+            <a:avLst/>
+          </a:prstGeom>
+          <a:ln/>
+        </p:spPr>
+        <p:style>
+          <a:lnRef idx="2">
+            <a:schemeClr val="dk1"/>
+          </a:lnRef>
+          <a:fillRef idx="1">
+            <a:schemeClr val="lt1"/>
+          </a:fillRef>
+          <a:effectRef idx="0">
+            <a:schemeClr val="dk1"/>
+          </a:effectRef>
+          <a:fontRef idx="minor">
+            <a:schemeClr val="dk1"/>
+          </a:fontRef>
+        </p:style>
+        <p:txBody>
+          <a:bodyPr rot="0" spcFirstLastPara="0" vertOverflow="overflow" horzOverflow="overflow" vert="horz" wrap="square" lIns="91440" tIns="45720" rIns="91440" bIns="45720" numCol="1" spcCol="0" rtlCol="0" fromWordArt="0" anchor="ctr" anchorCtr="0" forceAA="0" compatLnSpc="1">
+            <a:prstTxWarp prst="textNoShape">
+              <a:avLst/>
+            </a:prstTxWarp>
+            <a:noAutofit/>
+          </a:bodyPr>
+          <a:lstStyle/>
+          <a:p>
+            <a:pPr algn="ctr"/>
+            <a:r>
+              <a:rPr lang="en-US" b="1"/>
+              <a:t>Swin Transformer V2</a:t>
+            </a:r>
+          </a:p>
+        </p:txBody>
+      </p:sp>
+      <p:cxnSp>
+        <p:nvCxnSpPr>
+          <p:cNvPr id="21" name="Straight Arrow Connector 20">
+            <a:extLst>
+              <a:ext uri="{FF2B5EF4-FFF2-40B4-BE49-F238E27FC236}">
+                <a16:creationId xmlns:a16="http://schemas.microsoft.com/office/drawing/2014/main" id="{890E7357-3D07-4A6E-8132-65ECCBCFEC2F}"/>
+              </a:ext>
+            </a:extLst>
+          </p:cNvPr>
+          <p:cNvCxnSpPr>
+            <a:cxnSpLocks/>
+            <a:stCxn id="8" idx="3"/>
+            <a:endCxn id="18" idx="1"/>
+          </p:cNvCxnSpPr>
+          <p:nvPr/>
+        </p:nvCxnSpPr>
+        <p:spPr>
+          <a:xfrm flipV="1">
+            <a:off x="8520244" y="2988125"/>
+            <a:ext cx="755431" cy="9335"/>
           </a:xfrm>
           <a:prstGeom prst="straightConnector1">
             <a:avLst/>
@@ -6117,7 +8051,7 @@
           <a:lstStyle/>
           <a:p>
             <a:r>
-              <a:rPr lang="en-US" altLang="ko-KR" sz="2400">
+              <a:rPr lang="en-US" altLang="ko-KR" sz="2400" b="1">
                 <a:solidFill>
                   <a:srgbClr val="1F2025"/>
                 </a:solidFill>
@@ -6126,7 +8060,7 @@
               </a:rPr>
               <a:t>CÁC KỸ THUẬT THUỘC VỀ CNN</a:t>
             </a:r>
-            <a:endParaRPr lang="ko-KR" altLang="en-US" sz="2400" dirty="0">
+            <a:endParaRPr lang="ko-KR" altLang="en-US" sz="2400" b="1" dirty="0">
               <a:solidFill>
                 <a:srgbClr val="1F2025"/>
               </a:solidFill>
@@ -6487,7 +8421,7 @@
           <a:lstStyle/>
           <a:p>
             <a:r>
-              <a:rPr lang="en-US" altLang="ko-KR" sz="2400">
+              <a:rPr lang="en-US" altLang="ko-KR" sz="2400" b="1">
                 <a:solidFill>
                   <a:srgbClr val="1F2025"/>
                 </a:solidFill>
@@ -6496,7 +8430,7 @@
               </a:rPr>
               <a:t>TRANSFORMER</a:t>
             </a:r>
-            <a:endParaRPr lang="ko-KR" altLang="en-US" sz="2400" dirty="0">
+            <a:endParaRPr lang="ko-KR" altLang="en-US" sz="2400" b="1" dirty="0">
               <a:solidFill>
                 <a:srgbClr val="1F2025"/>
               </a:solidFill>
@@ -6521,7 +8455,7 @@
         <p:spPr>
           <a:xfrm>
             <a:off x="920547" y="2233280"/>
-            <a:ext cx="3765749" cy="646331"/>
+            <a:ext cx="3765749" cy="923330"/>
           </a:xfrm>
           <a:prstGeom prst="rect">
             <a:avLst/>
@@ -6549,173 +8483,18 @@
           </a:lstStyle>
           <a:p>
             <a:r>
-              <a:rPr lang="en-US" altLang="ko-KR" sz="1200" dirty="0">
-                <a:solidFill>
-                  <a:srgbClr val="1F2025"/>
-                </a:solidFill>
-              </a:rPr>
-              <a:t>Lorem ipsum dolor sit </a:t>
-            </a:r>
-            <a:r>
-              <a:rPr lang="en-US" altLang="ko-KR" sz="1200" dirty="0" err="1">
-                <a:solidFill>
-                  <a:srgbClr val="1F2025"/>
-                </a:solidFill>
-              </a:rPr>
-              <a:t>amet</a:t>
-            </a:r>
-            <a:r>
-              <a:rPr lang="en-US" altLang="ko-KR" sz="1200" dirty="0">
-                <a:solidFill>
-                  <a:srgbClr val="1F2025"/>
-                </a:solidFill>
-              </a:rPr>
-              <a:t>, </a:t>
-            </a:r>
-            <a:r>
-              <a:rPr lang="en-US" altLang="ko-KR" sz="1200" dirty="0" err="1">
-                <a:solidFill>
-                  <a:srgbClr val="1F2025"/>
-                </a:solidFill>
-              </a:rPr>
-              <a:t>consectetur</a:t>
-            </a:r>
-            <a:r>
-              <a:rPr lang="en-US" altLang="ko-KR" sz="1200" dirty="0">
-                <a:solidFill>
-                  <a:srgbClr val="1F2025"/>
-                </a:solidFill>
-              </a:rPr>
-              <a:t> </a:t>
-            </a:r>
-            <a:r>
-              <a:rPr lang="en-US" altLang="ko-KR" sz="1200" dirty="0" err="1">
-                <a:solidFill>
-                  <a:srgbClr val="1F2025"/>
-                </a:solidFill>
-              </a:rPr>
-              <a:t>adipiscing</a:t>
-            </a:r>
-            <a:r>
-              <a:rPr lang="en-US" altLang="ko-KR" sz="1200" dirty="0">
-                <a:solidFill>
-                  <a:srgbClr val="1F2025"/>
-                </a:solidFill>
-              </a:rPr>
-              <a:t> </a:t>
-            </a:r>
-            <a:r>
-              <a:rPr lang="en-US" altLang="ko-KR" sz="1200" dirty="0" err="1">
-                <a:solidFill>
-                  <a:srgbClr val="1F2025"/>
-                </a:solidFill>
-              </a:rPr>
-              <a:t>elit</a:t>
-            </a:r>
-            <a:r>
-              <a:rPr lang="en-US" altLang="ko-KR" sz="1200" dirty="0">
-                <a:solidFill>
-                  <a:srgbClr val="1F2025"/>
-                </a:solidFill>
-              </a:rPr>
-              <a:t>, sed do </a:t>
-            </a:r>
-            <a:r>
-              <a:rPr lang="en-US" altLang="ko-KR" sz="1200" dirty="0" err="1">
-                <a:solidFill>
-                  <a:srgbClr val="1F2025"/>
-                </a:solidFill>
-              </a:rPr>
-              <a:t>eiusmod</a:t>
-            </a:r>
-            <a:r>
-              <a:rPr lang="en-US" altLang="ko-KR" sz="1200" dirty="0">
-                <a:solidFill>
-                  <a:srgbClr val="1F2025"/>
-                </a:solidFill>
-              </a:rPr>
-              <a:t> </a:t>
-            </a:r>
-            <a:r>
-              <a:rPr lang="en-US" altLang="ko-KR" sz="1200" dirty="0" err="1">
-                <a:solidFill>
-                  <a:srgbClr val="1F2025"/>
-                </a:solidFill>
-              </a:rPr>
-              <a:t>tempor</a:t>
-            </a:r>
-            <a:r>
-              <a:rPr lang="en-US" altLang="ko-KR" sz="1200" dirty="0">
-                <a:solidFill>
-                  <a:srgbClr val="1F2025"/>
-                </a:solidFill>
-              </a:rPr>
-              <a:t> </a:t>
-            </a:r>
-            <a:r>
-              <a:rPr lang="en-US" altLang="ko-KR" sz="1200" dirty="0" err="1">
-                <a:solidFill>
-                  <a:srgbClr val="1F2025"/>
-                </a:solidFill>
-              </a:rPr>
-              <a:t>incididunt</a:t>
-            </a:r>
-            <a:r>
-              <a:rPr lang="en-US" altLang="ko-KR" sz="1200" dirty="0">
-                <a:solidFill>
-                  <a:srgbClr val="1F2025"/>
-                </a:solidFill>
-              </a:rPr>
-              <a:t> </a:t>
-            </a:r>
-            <a:r>
-              <a:rPr lang="en-US" altLang="ko-KR" sz="1200" dirty="0" err="1">
-                <a:solidFill>
-                  <a:srgbClr val="1F2025"/>
-                </a:solidFill>
-              </a:rPr>
-              <a:t>ut</a:t>
-            </a:r>
-            <a:r>
-              <a:rPr lang="en-US" altLang="ko-KR" sz="1200" dirty="0">
-                <a:solidFill>
-                  <a:srgbClr val="1F2025"/>
-                </a:solidFill>
-              </a:rPr>
-              <a:t> </a:t>
-            </a:r>
-            <a:r>
-              <a:rPr lang="en-US" altLang="ko-KR" sz="1200" dirty="0" err="1">
-                <a:solidFill>
-                  <a:srgbClr val="1F2025"/>
-                </a:solidFill>
-              </a:rPr>
-              <a:t>labore</a:t>
-            </a:r>
-            <a:r>
-              <a:rPr lang="en-US" altLang="ko-KR" sz="1200" dirty="0">
-                <a:solidFill>
-                  <a:srgbClr val="1F2025"/>
-                </a:solidFill>
-              </a:rPr>
-              <a:t> et dolore magna </a:t>
-            </a:r>
-            <a:r>
-              <a:rPr lang="en-US" altLang="ko-KR" sz="1200" dirty="0" err="1">
-                <a:solidFill>
-                  <a:srgbClr val="1F2025"/>
-                </a:solidFill>
-              </a:rPr>
-              <a:t>aliqua</a:t>
-            </a:r>
-            <a:r>
-              <a:rPr lang="en-US" altLang="ko-KR" sz="1200" dirty="0">
-                <a:solidFill>
-                  <a:srgbClr val="1F2025"/>
-                </a:solidFill>
-              </a:rPr>
-              <a:t>.</a:t>
-            </a:r>
+              <a:rPr lang="en-US" altLang="ko-KR" sz="1800">
+                <a:solidFill>
+                  <a:srgbClr val="1F2025"/>
+                </a:solidFill>
+              </a:rPr>
+              <a:t>Ra mắt năm 2017, ban đầu sử dụng cho xử lý ngôn ngữ tự nhiên, bài toán dịch máy</a:t>
+            </a:r>
+            <a:endParaRPr lang="en-US" altLang="ko-KR" sz="1800" dirty="0">
+              <a:solidFill>
+                <a:srgbClr val="1F2025"/>
+              </a:solidFill>
+            </a:endParaRPr>
           </a:p>
         </p:txBody>
       </p:sp>
@@ -6792,6 +8571,36 @@
           <a:xfrm>
             <a:off x="11222584" y="6348701"/>
             <a:ext cx="626516" cy="367130"/>
+          </a:xfrm>
+          <a:prstGeom prst="rect">
+            <a:avLst/>
+          </a:prstGeom>
+        </p:spPr>
+      </p:pic>
+      <p:pic>
+        <p:nvPicPr>
+          <p:cNvPr id="4" name="Picture 3">
+            <a:extLst>
+              <a:ext uri="{FF2B5EF4-FFF2-40B4-BE49-F238E27FC236}">
+                <a16:creationId xmlns:a16="http://schemas.microsoft.com/office/drawing/2014/main" id="{AB972B1A-5EF0-4E15-8E4B-95B4A62F7C4D}"/>
+              </a:ext>
+            </a:extLst>
+          </p:cNvPr>
+          <p:cNvPicPr>
+            <a:picLocks noChangeAspect="1"/>
+          </p:cNvPicPr>
+          <p:nvPr/>
+        </p:nvPicPr>
+        <p:blipFill>
+          <a:blip r:embed="rId4"/>
+          <a:stretch>
+            <a:fillRect/>
+          </a:stretch>
+        </p:blipFill>
+        <p:spPr>
+          <a:xfrm>
+            <a:off x="6096000" y="198426"/>
+            <a:ext cx="4156422" cy="5785739"/>
           </a:xfrm>
           <a:prstGeom prst="rect">
             <a:avLst/>
@@ -6857,16 +8666,16 @@
           <a:lstStyle/>
           <a:p>
             <a:r>
-              <a:rPr lang="en-US" altLang="ko-KR" sz="2400">
+              <a:rPr lang="en-US" altLang="ko-KR" sz="2400" b="1">
                 <a:solidFill>
                   <a:srgbClr val="1F2025"/>
                 </a:solidFill>
                 <a:latin typeface="+mj-lt"/>
                 <a:cs typeface="Arial" panose="020B0604020202020204" pitchFamily="34" charset="0"/>
               </a:rPr>
-              <a:t>VISION TRANSFORMER</a:t>
-            </a:r>
-            <a:endParaRPr lang="ko-KR" altLang="en-US" sz="2400" dirty="0">
+              <a:t>TRANSFORMER</a:t>
+            </a:r>
+            <a:endParaRPr lang="ko-KR" altLang="en-US" sz="2400" b="1" dirty="0">
               <a:solidFill>
                 <a:srgbClr val="1F2025"/>
               </a:solidFill>
@@ -6890,8 +8699,8 @@
         </p:nvSpPr>
         <p:spPr>
           <a:xfrm>
-            <a:off x="920547" y="2233280"/>
-            <a:ext cx="3765749" cy="646331"/>
+            <a:off x="733935" y="1436287"/>
+            <a:ext cx="3765749" cy="1754326"/>
           </a:xfrm>
           <a:prstGeom prst="rect">
             <a:avLst/>
@@ -6918,174 +8727,85 @@
             </a:lvl1pPr>
           </a:lstStyle>
           <a:p>
-            <a:r>
-              <a:rPr lang="en-US" altLang="ko-KR" sz="1200" dirty="0">
-                <a:solidFill>
-                  <a:srgbClr val="1F2025"/>
-                </a:solidFill>
-              </a:rPr>
-              <a:t>Lorem ipsum dolor sit </a:t>
-            </a:r>
-            <a:r>
-              <a:rPr lang="en-US" altLang="ko-KR" sz="1200" dirty="0" err="1">
-                <a:solidFill>
-                  <a:srgbClr val="1F2025"/>
-                </a:solidFill>
-              </a:rPr>
-              <a:t>amet</a:t>
-            </a:r>
-            <a:r>
-              <a:rPr lang="en-US" altLang="ko-KR" sz="1200" dirty="0">
-                <a:solidFill>
-                  <a:srgbClr val="1F2025"/>
-                </a:solidFill>
-              </a:rPr>
-              <a:t>, </a:t>
-            </a:r>
-            <a:r>
-              <a:rPr lang="en-US" altLang="ko-KR" sz="1200" dirty="0" err="1">
-                <a:solidFill>
-                  <a:srgbClr val="1F2025"/>
-                </a:solidFill>
-              </a:rPr>
-              <a:t>consectetur</a:t>
-            </a:r>
-            <a:r>
-              <a:rPr lang="en-US" altLang="ko-KR" sz="1200" dirty="0">
-                <a:solidFill>
-                  <a:srgbClr val="1F2025"/>
-                </a:solidFill>
-              </a:rPr>
-              <a:t> </a:t>
-            </a:r>
-            <a:r>
-              <a:rPr lang="en-US" altLang="ko-KR" sz="1200" dirty="0" err="1">
-                <a:solidFill>
-                  <a:srgbClr val="1F2025"/>
-                </a:solidFill>
-              </a:rPr>
-              <a:t>adipiscing</a:t>
-            </a:r>
-            <a:r>
-              <a:rPr lang="en-US" altLang="ko-KR" sz="1200" dirty="0">
-                <a:solidFill>
-                  <a:srgbClr val="1F2025"/>
-                </a:solidFill>
-              </a:rPr>
-              <a:t> </a:t>
-            </a:r>
-            <a:r>
-              <a:rPr lang="en-US" altLang="ko-KR" sz="1200" dirty="0" err="1">
-                <a:solidFill>
-                  <a:srgbClr val="1F2025"/>
-                </a:solidFill>
-              </a:rPr>
-              <a:t>elit</a:t>
-            </a:r>
-            <a:r>
-              <a:rPr lang="en-US" altLang="ko-KR" sz="1200" dirty="0">
-                <a:solidFill>
-                  <a:srgbClr val="1F2025"/>
-                </a:solidFill>
-              </a:rPr>
-              <a:t>, sed do </a:t>
-            </a:r>
-            <a:r>
-              <a:rPr lang="en-US" altLang="ko-KR" sz="1200" dirty="0" err="1">
-                <a:solidFill>
-                  <a:srgbClr val="1F2025"/>
-                </a:solidFill>
-              </a:rPr>
-              <a:t>eiusmod</a:t>
-            </a:r>
-            <a:r>
-              <a:rPr lang="en-US" altLang="ko-KR" sz="1200" dirty="0">
-                <a:solidFill>
-                  <a:srgbClr val="1F2025"/>
-                </a:solidFill>
-              </a:rPr>
-              <a:t> </a:t>
-            </a:r>
-            <a:r>
-              <a:rPr lang="en-US" altLang="ko-KR" sz="1200" dirty="0" err="1">
-                <a:solidFill>
-                  <a:srgbClr val="1F2025"/>
-                </a:solidFill>
-              </a:rPr>
-              <a:t>tempor</a:t>
-            </a:r>
-            <a:r>
-              <a:rPr lang="en-US" altLang="ko-KR" sz="1200" dirty="0">
-                <a:solidFill>
-                  <a:srgbClr val="1F2025"/>
-                </a:solidFill>
-              </a:rPr>
-              <a:t> </a:t>
-            </a:r>
-            <a:r>
-              <a:rPr lang="en-US" altLang="ko-KR" sz="1200" dirty="0" err="1">
-                <a:solidFill>
-                  <a:srgbClr val="1F2025"/>
-                </a:solidFill>
-              </a:rPr>
-              <a:t>incididunt</a:t>
-            </a:r>
-            <a:r>
-              <a:rPr lang="en-US" altLang="ko-KR" sz="1200" dirty="0">
-                <a:solidFill>
-                  <a:srgbClr val="1F2025"/>
-                </a:solidFill>
-              </a:rPr>
-              <a:t> </a:t>
-            </a:r>
-            <a:r>
-              <a:rPr lang="en-US" altLang="ko-KR" sz="1200" dirty="0" err="1">
-                <a:solidFill>
-                  <a:srgbClr val="1F2025"/>
-                </a:solidFill>
-              </a:rPr>
-              <a:t>ut</a:t>
-            </a:r>
-            <a:r>
-              <a:rPr lang="en-US" altLang="ko-KR" sz="1200" dirty="0">
-                <a:solidFill>
-                  <a:srgbClr val="1F2025"/>
-                </a:solidFill>
-              </a:rPr>
-              <a:t> </a:t>
-            </a:r>
-            <a:r>
-              <a:rPr lang="en-US" altLang="ko-KR" sz="1200" dirty="0" err="1">
-                <a:solidFill>
-                  <a:srgbClr val="1F2025"/>
-                </a:solidFill>
-              </a:rPr>
-              <a:t>labore</a:t>
-            </a:r>
-            <a:r>
-              <a:rPr lang="en-US" altLang="ko-KR" sz="1200" dirty="0">
-                <a:solidFill>
-                  <a:srgbClr val="1F2025"/>
-                </a:solidFill>
-              </a:rPr>
-              <a:t> et dolore magna </a:t>
-            </a:r>
-            <a:r>
-              <a:rPr lang="en-US" altLang="ko-KR" sz="1200" dirty="0" err="1">
-                <a:solidFill>
-                  <a:srgbClr val="1F2025"/>
-                </a:solidFill>
-              </a:rPr>
-              <a:t>aliqua</a:t>
-            </a:r>
-            <a:r>
-              <a:rPr lang="en-US" altLang="ko-KR" sz="1200" dirty="0">
-                <a:solidFill>
-                  <a:srgbClr val="1F2025"/>
-                </a:solidFill>
-              </a:rPr>
-              <a:t>.</a:t>
-            </a:r>
+            <a:pPr marL="285750" indent="-285750">
+              <a:buFontTx/>
+              <a:buChar char="-"/>
+            </a:pPr>
+            <a:r>
+              <a:rPr lang="en-US" altLang="ko-KR" sz="1800">
+                <a:solidFill>
+                  <a:srgbClr val="1F2025"/>
+                </a:solidFill>
+              </a:rPr>
+              <a:t>Input/Output embedding</a:t>
+            </a:r>
+          </a:p>
+          <a:p>
+            <a:pPr marL="285750" indent="-285750">
+              <a:buFontTx/>
+              <a:buChar char="-"/>
+            </a:pPr>
+            <a:r>
+              <a:rPr lang="en-US" altLang="ko-KR" sz="1800">
+                <a:solidFill>
+                  <a:srgbClr val="1F2025"/>
+                </a:solidFill>
+              </a:rPr>
+              <a:t>Positional Encoding</a:t>
+            </a:r>
+          </a:p>
+          <a:p>
+            <a:pPr marL="285750" indent="-285750">
+              <a:buFontTx/>
+              <a:buChar char="-"/>
+            </a:pPr>
+            <a:r>
+              <a:rPr lang="en-US" altLang="ko-KR" sz="1800">
+                <a:solidFill>
+                  <a:srgbClr val="1F2025"/>
+                </a:solidFill>
+              </a:rPr>
+              <a:t>Self-Attention</a:t>
+            </a:r>
+          </a:p>
+          <a:p>
+            <a:pPr marL="285750" indent="-285750">
+              <a:buFontTx/>
+              <a:buChar char="-"/>
+            </a:pPr>
+            <a:r>
+              <a:rPr lang="en-US" altLang="ko-KR" sz="1800">
+                <a:solidFill>
+                  <a:srgbClr val="1F2025"/>
+                </a:solidFill>
+              </a:rPr>
+              <a:t>Encoder</a:t>
+            </a:r>
+          </a:p>
+          <a:p>
+            <a:pPr marL="285750" indent="-285750">
+              <a:buFontTx/>
+              <a:buChar char="-"/>
+            </a:pPr>
+            <a:r>
+              <a:rPr lang="en-US" altLang="ko-KR" sz="1800">
+                <a:solidFill>
+                  <a:srgbClr val="1F2025"/>
+                </a:solidFill>
+              </a:rPr>
+              <a:t>Decoder</a:t>
+            </a:r>
+          </a:p>
+          <a:p>
+            <a:pPr marL="285750" indent="-285750">
+              <a:buFontTx/>
+              <a:buChar char="-"/>
+            </a:pPr>
+            <a:endParaRPr lang="en-US" altLang="ko-KR" sz="1800">
+              <a:solidFill>
+                <a:srgbClr val="1F2025"/>
+              </a:solidFill>
+            </a:endParaRPr>
           </a:p>
         </p:txBody>
       </p:sp>
@@ -7171,7 +8891,7 @@
     </p:spTree>
     <p:extLst>
       <p:ext uri="{BB962C8B-B14F-4D97-AF65-F5344CB8AC3E}">
-        <p14:creationId xmlns:p14="http://schemas.microsoft.com/office/powerpoint/2010/main" val="3018345107"/>
+        <p14:creationId xmlns:p14="http://schemas.microsoft.com/office/powerpoint/2010/main" val="2618370400"/>
       </p:ext>
     </p:extLst>
   </p:cSld>
@@ -7227,16 +8947,16 @@
           <a:lstStyle/>
           <a:p>
             <a:r>
-              <a:rPr lang="en-US" altLang="ko-KR" sz="2400">
+              <a:rPr lang="en-US" altLang="ko-KR" sz="2400" b="1">
                 <a:solidFill>
                   <a:srgbClr val="1F2025"/>
                 </a:solidFill>
                 <a:latin typeface="+mj-lt"/>
                 <a:cs typeface="Arial" panose="020B0604020202020204" pitchFamily="34" charset="0"/>
               </a:rPr>
-              <a:t>SWIN TRANSFORMER V1</a:t>
-            </a:r>
-            <a:endParaRPr lang="ko-KR" altLang="en-US" sz="2400" dirty="0">
+              <a:t>VISION TRANSFORMER</a:t>
+            </a:r>
+            <a:endParaRPr lang="ko-KR" altLang="en-US" sz="2400" b="1" dirty="0">
               <a:solidFill>
                 <a:srgbClr val="1F2025"/>
               </a:solidFill>
@@ -7260,8 +8980,8 @@
         </p:nvSpPr>
         <p:spPr>
           <a:xfrm>
-            <a:off x="920547" y="2233280"/>
-            <a:ext cx="3765749" cy="646331"/>
+            <a:off x="487881" y="1596414"/>
+            <a:ext cx="3682903" cy="3139321"/>
           </a:xfrm>
           <a:prstGeom prst="rect">
             <a:avLst/>
@@ -7288,174 +9008,151 @@
             </a:lvl1pPr>
           </a:lstStyle>
           <a:p>
-            <a:r>
-              <a:rPr lang="en-US" altLang="ko-KR" sz="1200" dirty="0">
-                <a:solidFill>
-                  <a:srgbClr val="1F2025"/>
-                </a:solidFill>
-              </a:rPr>
-              <a:t>Lorem ipsum dolor sit </a:t>
-            </a:r>
-            <a:r>
-              <a:rPr lang="en-US" altLang="ko-KR" sz="1200" dirty="0" err="1">
-                <a:solidFill>
-                  <a:srgbClr val="1F2025"/>
-                </a:solidFill>
-              </a:rPr>
-              <a:t>amet</a:t>
-            </a:r>
-            <a:r>
-              <a:rPr lang="en-US" altLang="ko-KR" sz="1200" dirty="0">
-                <a:solidFill>
-                  <a:srgbClr val="1F2025"/>
-                </a:solidFill>
-              </a:rPr>
-              <a:t>, </a:t>
-            </a:r>
-            <a:r>
-              <a:rPr lang="en-US" altLang="ko-KR" sz="1200" dirty="0" err="1">
-                <a:solidFill>
-                  <a:srgbClr val="1F2025"/>
-                </a:solidFill>
-              </a:rPr>
-              <a:t>consectetur</a:t>
-            </a:r>
-            <a:r>
-              <a:rPr lang="en-US" altLang="ko-KR" sz="1200" dirty="0">
-                <a:solidFill>
-                  <a:srgbClr val="1F2025"/>
-                </a:solidFill>
-              </a:rPr>
-              <a:t> </a:t>
-            </a:r>
-            <a:r>
-              <a:rPr lang="en-US" altLang="ko-KR" sz="1200" dirty="0" err="1">
-                <a:solidFill>
-                  <a:srgbClr val="1F2025"/>
-                </a:solidFill>
-              </a:rPr>
-              <a:t>adipiscing</a:t>
-            </a:r>
-            <a:r>
-              <a:rPr lang="en-US" altLang="ko-KR" sz="1200" dirty="0">
-                <a:solidFill>
-                  <a:srgbClr val="1F2025"/>
-                </a:solidFill>
-              </a:rPr>
-              <a:t> </a:t>
-            </a:r>
-            <a:r>
-              <a:rPr lang="en-US" altLang="ko-KR" sz="1200" dirty="0" err="1">
-                <a:solidFill>
-                  <a:srgbClr val="1F2025"/>
-                </a:solidFill>
-              </a:rPr>
-              <a:t>elit</a:t>
-            </a:r>
-            <a:r>
-              <a:rPr lang="en-US" altLang="ko-KR" sz="1200" dirty="0">
-                <a:solidFill>
-                  <a:srgbClr val="1F2025"/>
-                </a:solidFill>
-              </a:rPr>
-              <a:t>, sed do </a:t>
-            </a:r>
-            <a:r>
-              <a:rPr lang="en-US" altLang="ko-KR" sz="1200" dirty="0" err="1">
-                <a:solidFill>
-                  <a:srgbClr val="1F2025"/>
-                </a:solidFill>
-              </a:rPr>
-              <a:t>eiusmod</a:t>
-            </a:r>
-            <a:r>
-              <a:rPr lang="en-US" altLang="ko-KR" sz="1200" dirty="0">
-                <a:solidFill>
-                  <a:srgbClr val="1F2025"/>
-                </a:solidFill>
-              </a:rPr>
-              <a:t> </a:t>
-            </a:r>
-            <a:r>
-              <a:rPr lang="en-US" altLang="ko-KR" sz="1200" dirty="0" err="1">
-                <a:solidFill>
-                  <a:srgbClr val="1F2025"/>
-                </a:solidFill>
-              </a:rPr>
-              <a:t>tempor</a:t>
-            </a:r>
-            <a:r>
-              <a:rPr lang="en-US" altLang="ko-KR" sz="1200" dirty="0">
-                <a:solidFill>
-                  <a:srgbClr val="1F2025"/>
-                </a:solidFill>
-              </a:rPr>
-              <a:t> </a:t>
-            </a:r>
-            <a:r>
-              <a:rPr lang="en-US" altLang="ko-KR" sz="1200" dirty="0" err="1">
-                <a:solidFill>
-                  <a:srgbClr val="1F2025"/>
-                </a:solidFill>
-              </a:rPr>
-              <a:t>incididunt</a:t>
-            </a:r>
-            <a:r>
-              <a:rPr lang="en-US" altLang="ko-KR" sz="1200" dirty="0">
-                <a:solidFill>
-                  <a:srgbClr val="1F2025"/>
-                </a:solidFill>
-              </a:rPr>
-              <a:t> </a:t>
-            </a:r>
-            <a:r>
-              <a:rPr lang="en-US" altLang="ko-KR" sz="1200" dirty="0" err="1">
-                <a:solidFill>
-                  <a:srgbClr val="1F2025"/>
-                </a:solidFill>
-              </a:rPr>
-              <a:t>ut</a:t>
-            </a:r>
-            <a:r>
-              <a:rPr lang="en-US" altLang="ko-KR" sz="1200" dirty="0">
-                <a:solidFill>
-                  <a:srgbClr val="1F2025"/>
-                </a:solidFill>
-              </a:rPr>
-              <a:t> </a:t>
-            </a:r>
-            <a:r>
-              <a:rPr lang="en-US" altLang="ko-KR" sz="1200" dirty="0" err="1">
-                <a:solidFill>
-                  <a:srgbClr val="1F2025"/>
-                </a:solidFill>
-              </a:rPr>
-              <a:t>labore</a:t>
-            </a:r>
-            <a:r>
-              <a:rPr lang="en-US" altLang="ko-KR" sz="1200" dirty="0">
-                <a:solidFill>
-                  <a:srgbClr val="1F2025"/>
-                </a:solidFill>
-              </a:rPr>
-              <a:t> et dolore magna </a:t>
-            </a:r>
-            <a:r>
-              <a:rPr lang="en-US" altLang="ko-KR" sz="1200" dirty="0" err="1">
-                <a:solidFill>
-                  <a:srgbClr val="1F2025"/>
-                </a:solidFill>
-              </a:rPr>
-              <a:t>aliqua</a:t>
-            </a:r>
-            <a:r>
-              <a:rPr lang="en-US" altLang="ko-KR" sz="1200" dirty="0">
-                <a:solidFill>
-                  <a:srgbClr val="1F2025"/>
-                </a:solidFill>
-              </a:rPr>
-              <a:t>.</a:t>
-            </a:r>
+            <a:pPr marL="171450" indent="-171450">
+              <a:buFontTx/>
+              <a:buChar char="-"/>
+            </a:pPr>
+            <a:r>
+              <a:rPr lang="en-US" altLang="ko-KR" sz="1800">
+                <a:solidFill>
+                  <a:srgbClr val="1F2025"/>
+                </a:solidFill>
+              </a:rPr>
+              <a:t>Ra mắt tháng 10/2020</a:t>
+            </a:r>
+          </a:p>
+          <a:p>
+            <a:pPr marL="171450" indent="-171450">
+              <a:buFontTx/>
+              <a:buChar char="-"/>
+            </a:pPr>
+            <a:r>
+              <a:rPr lang="en-US" altLang="ko-KR" sz="1800">
+                <a:solidFill>
+                  <a:srgbClr val="1F2025"/>
+                </a:solidFill>
+              </a:rPr>
+              <a:t>Là biến thể của Transformer ứng dụng cho các bài toán về thị giác máy tính.</a:t>
+            </a:r>
+          </a:p>
+          <a:p>
+            <a:pPr marL="171450" indent="-171450">
+              <a:buFontTx/>
+              <a:buChar char="-"/>
+            </a:pPr>
+            <a:r>
+              <a:rPr lang="en-US" altLang="ko-KR" sz="1800">
+                <a:solidFill>
+                  <a:srgbClr val="1F2025"/>
+                </a:solidFill>
+              </a:rPr>
+              <a:t>Kiến trúc đ</a:t>
+            </a:r>
+            <a:r>
+              <a:rPr lang="vi-VN" altLang="ko-KR" sz="1800">
+                <a:solidFill>
+                  <a:srgbClr val="1F2025"/>
+                </a:solidFill>
+              </a:rPr>
+              <a:t>ơ</a:t>
+            </a:r>
+            <a:r>
+              <a:rPr lang="en-US" altLang="ko-KR" sz="1800">
+                <a:solidFill>
+                  <a:srgbClr val="1F2025"/>
+                </a:solidFill>
+              </a:rPr>
+              <a:t>n giản h</a:t>
+            </a:r>
+            <a:r>
+              <a:rPr lang="vi-VN" altLang="ko-KR" sz="1800">
+                <a:solidFill>
+                  <a:srgbClr val="1F2025"/>
+                </a:solidFill>
+              </a:rPr>
+              <a:t>ơ</a:t>
+            </a:r>
+            <a:r>
+              <a:rPr lang="en-US" altLang="ko-KR" sz="1800">
+                <a:solidFill>
+                  <a:srgbClr val="1F2025"/>
+                </a:solidFill>
+              </a:rPr>
+              <a:t>n các mạng CNN, tốn ít tài nguyên h</a:t>
+            </a:r>
+            <a:r>
+              <a:rPr lang="vi-VN" altLang="ko-KR" sz="1800">
+                <a:solidFill>
+                  <a:srgbClr val="1F2025"/>
+                </a:solidFill>
+              </a:rPr>
+              <a:t>ơ</a:t>
+            </a:r>
+            <a:r>
+              <a:rPr lang="en-US" altLang="ko-KR" sz="1800">
+                <a:solidFill>
+                  <a:srgbClr val="1F2025"/>
+                </a:solidFill>
+              </a:rPr>
+              <a:t>n khi huấn luyện.</a:t>
+            </a:r>
+          </a:p>
+          <a:p>
+            <a:pPr marL="171450" indent="-171450">
+              <a:buFontTx/>
+              <a:buChar char="-"/>
+            </a:pPr>
+            <a:r>
+              <a:rPr lang="en-US" altLang="ko-KR" sz="1800">
+                <a:solidFill>
+                  <a:srgbClr val="1F2025"/>
+                </a:solidFill>
+              </a:rPr>
+              <a:t>Đạt kết quả t</a:t>
+            </a:r>
+            <a:r>
+              <a:rPr lang="vi-VN" altLang="ko-KR" sz="1800">
+                <a:solidFill>
+                  <a:srgbClr val="1F2025"/>
+                </a:solidFill>
+              </a:rPr>
+              <a:t>ư</a:t>
+            </a:r>
+            <a:r>
+              <a:rPr lang="en-US" altLang="ko-KR" sz="1800">
+                <a:solidFill>
+                  <a:srgbClr val="1F2025"/>
+                </a:solidFill>
+              </a:rPr>
+              <a:t>ơng đư</a:t>
+            </a:r>
+            <a:r>
+              <a:rPr lang="vi-VN" altLang="ko-KR" sz="1800">
+                <a:solidFill>
+                  <a:srgbClr val="1F2025"/>
+                </a:solidFill>
+              </a:rPr>
+              <a:t>ơ</a:t>
+            </a:r>
+            <a:r>
+              <a:rPr lang="en-US" altLang="ko-KR" sz="1800">
+                <a:solidFill>
+                  <a:srgbClr val="1F2025"/>
+                </a:solidFill>
+              </a:rPr>
+              <a:t>ng với các mạng CNN SOTA khác tại thời điểm ra mắt.</a:t>
+            </a:r>
+          </a:p>
+          <a:p>
+            <a:pPr marL="171450" indent="-171450">
+              <a:buFontTx/>
+              <a:buChar char="-"/>
+            </a:pPr>
+            <a:endParaRPr lang="en-US" altLang="ko-KR" sz="1800" dirty="0">
+              <a:solidFill>
+                <a:srgbClr val="1F2025"/>
+              </a:solidFill>
+            </a:endParaRPr>
           </a:p>
         </p:txBody>
       </p:sp>
@@ -7538,10 +9235,40 @@
           </a:prstGeom>
         </p:spPr>
       </p:pic>
+      <p:pic>
+        <p:nvPicPr>
+          <p:cNvPr id="4" name="Picture 3">
+            <a:extLst>
+              <a:ext uri="{FF2B5EF4-FFF2-40B4-BE49-F238E27FC236}">
+                <a16:creationId xmlns:a16="http://schemas.microsoft.com/office/drawing/2014/main" id="{D27C7F96-7F2A-46ED-A9B7-15BDFBD0E28F}"/>
+              </a:ext>
+            </a:extLst>
+          </p:cNvPr>
+          <p:cNvPicPr>
+            <a:picLocks noChangeAspect="1"/>
+          </p:cNvPicPr>
+          <p:nvPr/>
+        </p:nvPicPr>
+        <p:blipFill>
+          <a:blip r:embed="rId4"/>
+          <a:stretch>
+            <a:fillRect/>
+          </a:stretch>
+        </p:blipFill>
+        <p:spPr>
+          <a:xfrm>
+            <a:off x="4591100" y="1027843"/>
+            <a:ext cx="7469835" cy="3934161"/>
+          </a:xfrm>
+          <a:prstGeom prst="rect">
+            <a:avLst/>
+          </a:prstGeom>
+        </p:spPr>
+      </p:pic>
     </p:spTree>
     <p:extLst>
       <p:ext uri="{BB962C8B-B14F-4D97-AF65-F5344CB8AC3E}">
-        <p14:creationId xmlns:p14="http://schemas.microsoft.com/office/powerpoint/2010/main" val="2093296912"/>
+        <p14:creationId xmlns:p14="http://schemas.microsoft.com/office/powerpoint/2010/main" val="3018345107"/>
       </p:ext>
     </p:extLst>
   </p:cSld>
@@ -7592,16 +9319,76 @@
         <a:srgbClr val="954F72"/>
       </a:folHlink>
     </a:clrScheme>
-    <a:fontScheme name="Elephant - Calibri Light">
+    <a:fontScheme name="Calibri">
       <a:majorFont>
-        <a:latin typeface="Elephant"/>
-        <a:ea typeface="Arial Unicode MS"/>
+        <a:latin typeface="Calibri" panose="020F0502020204030204"/>
+        <a:ea typeface=""/>
         <a:cs typeface=""/>
+        <a:font script="Jpan" typeface="メイリオ"/>
+        <a:font script="Hang" typeface="맑은 고딕"/>
+        <a:font script="Hans" typeface="宋体"/>
+        <a:font script="Hant" typeface="新細明體"/>
+        <a:font script="Arab" typeface="Arial"/>
+        <a:font script="Hebr" typeface="Arial"/>
+        <a:font script="Thai" typeface="Cordia New"/>
+        <a:font script="Ethi" typeface="Nyala"/>
+        <a:font script="Beng" typeface="Vrinda"/>
+        <a:font script="Gujr" typeface="Shruti"/>
+        <a:font script="Khmr" typeface="DaunPenh"/>
+        <a:font script="Knda" typeface="Tunga"/>
+        <a:font script="Guru" typeface="Raavi"/>
+        <a:font script="Cans" typeface="Euphemia"/>
+        <a:font script="Cher" typeface="Plantagenet Cherokee"/>
+        <a:font script="Yiii" typeface="Microsoft Yi Baiti"/>
+        <a:font script="Tibt" typeface="Microsoft Himalaya"/>
+        <a:font script="Thaa" typeface="MV Boli"/>
+        <a:font script="Deva" typeface="Mangal"/>
+        <a:font script="Telu" typeface="Gautami"/>
+        <a:font script="Taml" typeface="Latha"/>
+        <a:font script="Syrc" typeface="Estrangelo Edessa"/>
+        <a:font script="Orya" typeface="Kalinga"/>
+        <a:font script="Mlym" typeface="Kartika"/>
+        <a:font script="Laoo" typeface="DokChampa"/>
+        <a:font script="Sinh" typeface="Iskoola Pota"/>
+        <a:font script="Mong" typeface="Mongolian Baiti"/>
+        <a:font script="Viet" typeface="Tahoma"/>
+        <a:font script="Uigh" typeface="Microsoft Uighur"/>
+        <a:font script="Geor" typeface="Sylfaen"/>
       </a:majorFont>
       <a:minorFont>
-        <a:latin typeface="Calibri Light"/>
-        <a:ea typeface="Arial Unicode MS"/>
+        <a:latin typeface="Calibri" panose="020F0502020204030204"/>
+        <a:ea typeface=""/>
         <a:cs typeface=""/>
+        <a:font script="Jpan" typeface="メイリオ"/>
+        <a:font script="Hang" typeface="맑은 고딕"/>
+        <a:font script="Hans" typeface="宋体"/>
+        <a:font script="Hant" typeface="新細明體"/>
+        <a:font script="Arab" typeface="Arial"/>
+        <a:font script="Hebr" typeface="Arial"/>
+        <a:font script="Thai" typeface="Cordia New"/>
+        <a:font script="Ethi" typeface="Nyala"/>
+        <a:font script="Beng" typeface="Vrinda"/>
+        <a:font script="Gujr" typeface="Shruti"/>
+        <a:font script="Khmr" typeface="DaunPenh"/>
+        <a:font script="Knda" typeface="Tunga"/>
+        <a:font script="Guru" typeface="Raavi"/>
+        <a:font script="Cans" typeface="Euphemia"/>
+        <a:font script="Cher" typeface="Plantagenet Cherokee"/>
+        <a:font script="Yiii" typeface="Microsoft Yi Baiti"/>
+        <a:font script="Tibt" typeface="Microsoft Himalaya"/>
+        <a:font script="Thaa" typeface="MV Boli"/>
+        <a:font script="Deva" typeface="Mangal"/>
+        <a:font script="Telu" typeface="Gautami"/>
+        <a:font script="Taml" typeface="Latha"/>
+        <a:font script="Syrc" typeface="Estrangelo Edessa"/>
+        <a:font script="Orya" typeface="Kalinga"/>
+        <a:font script="Mlym" typeface="Kartika"/>
+        <a:font script="Laoo" typeface="DokChampa"/>
+        <a:font script="Sinh" typeface="Iskoola Pota"/>
+        <a:font script="Mong" typeface="Mongolian Baiti"/>
+        <a:font script="Viet" typeface="Tahoma"/>
+        <a:font script="Uigh" typeface="Microsoft Uighur"/>
+        <a:font script="Geor" typeface="Sylfaen"/>
       </a:minorFont>
     </a:fontScheme>
     <a:fmtScheme name="Office">
